--- a/DeepMusicGenerationPoster.pptx
+++ b/DeepMusicGenerationPoster.pptx
@@ -1284,7 +1284,7 @@
             <a:fld id="{6D19C340-D0E4-474D-AE7F-3F568C9F1FD1}" type="datetimeFigureOut">
               <a:rPr lang="en-US" altLang="en-US"/>
               <a:pPr/>
-              <a:t>4/8/2020</a:t>
+              <a:t>4/14/2020</a:t>
             </a:fld>
             <a:endParaRPr lang="en-US" altLang="en-US"/>
           </a:p>
@@ -4908,12 +4908,12 @@
               </a:spcBef>
             </a:pPr>
             <a:r>
-              <a:rPr lang="en-US" altLang="en-US" sz="3600" dirty="0">
+              <a:rPr lang="en-US" altLang="en-US" sz="2800" dirty="0">
                 <a:latin typeface="Calibri" panose="020F0502020204030204" pitchFamily="34" charset="0"/>
                 <a:ea typeface="Ebrima" panose="02000000000000000000" pitchFamily="2" charset="0"/>
                 <a:cs typeface="Ebrima" panose="02000000000000000000" pitchFamily="2" charset="0"/>
               </a:rPr>
-              <a:t>The body text / font size should be between 24 and 32 points in Calibri. Adjust the size of the text and sections based on the content you have to present. Keep body text left-aligned, do not justify text.</a:t>
+              <a:t>First, we built our classical music archive of MIDI files. We scoured various sources and compiled over 200 composers, each with a varying number of musical pieces per composer.</a:t>
             </a:r>
           </a:p>
           <a:p>
@@ -4926,12 +4926,12 @@
               </a:spcBef>
             </a:pPr>
             <a:r>
-              <a:rPr lang="en-US" altLang="en-US" sz="3600" dirty="0">
+              <a:rPr lang="en-US" altLang="en-US" sz="2800" dirty="0">
                 <a:latin typeface="Calibri" panose="020F0502020204030204" pitchFamily="34" charset="0"/>
                 <a:ea typeface="Ebrima" panose="02000000000000000000" pitchFamily="2" charset="0"/>
                 <a:cs typeface="Ebrima" panose="02000000000000000000" pitchFamily="2" charset="0"/>
               </a:rPr>
-              <a:t>Use bold characters to stress your point, avoid underlines and all-caps.</a:t>
+              <a:t>Second, to preprocess the classical music pieces in the form of MIDI files, we built a converter and a slicer. This music converter filters out MIDI files of invalid types then breaks down the timesteps of the pieces into arrays of pitch values for the tensor. We then built a method to automate the slicing of each MIDI file into smaller sequences based on the number of bars.</a:t>
             </a:r>
           </a:p>
           <a:p>
@@ -4943,14 +4943,11 @@
                 <a:spcPts val="1800"/>
               </a:spcBef>
             </a:pPr>
-            <a:r>
-              <a:rPr lang="en-US" altLang="en-US" sz="3600" dirty="0">
-                <a:latin typeface="Calibri" panose="020F0502020204030204" pitchFamily="34" charset="0"/>
-                <a:ea typeface="Ebrima" panose="02000000000000000000" pitchFamily="2" charset="0"/>
-                <a:cs typeface="Ebrima" panose="02000000000000000000" pitchFamily="2" charset="0"/>
-              </a:rPr>
-              <a:t>When laying out the poster leave breathing space around the text. Don’t overcrowd your poster.</a:t>
-            </a:r>
+            <a:endParaRPr lang="en-US" altLang="en-US" sz="2800" dirty="0">
+              <a:latin typeface="Calibri" panose="020F0502020204030204" pitchFamily="34" charset="0"/>
+              <a:ea typeface="Ebrima" panose="02000000000000000000" pitchFamily="2" charset="0"/>
+              <a:cs typeface="Ebrima" panose="02000000000000000000" pitchFamily="2" charset="0"/>
+            </a:endParaRPr>
           </a:p>
           <a:p>
             <a:pPr eaLnBrk="1" hangingPunct="1">
@@ -4961,7 +4958,7 @@
                 <a:spcPts val="1800"/>
               </a:spcBef>
             </a:pPr>
-            <a:endParaRPr lang="en-US" altLang="en-US" sz="3600" dirty="0">
+            <a:endParaRPr lang="en-US" altLang="en-US" sz="2800" dirty="0">
               <a:latin typeface="Calibri" panose="020F0502020204030204" pitchFamily="34" charset="0"/>
               <a:ea typeface="Ebrima" panose="02000000000000000000" pitchFamily="2" charset="0"/>
               <a:cs typeface="Ebrima" panose="02000000000000000000" pitchFamily="2" charset="0"/>
@@ -4976,7 +4973,7 @@
                 <a:spcPts val="1800"/>
               </a:spcBef>
             </a:pPr>
-            <a:endParaRPr lang="en-US" altLang="en-US" sz="3600" dirty="0">
+            <a:endParaRPr lang="en-US" altLang="en-US" sz="2800" dirty="0">
               <a:latin typeface="Calibri" panose="020F0502020204030204" pitchFamily="34" charset="0"/>
               <a:ea typeface="Ebrima" panose="02000000000000000000" pitchFamily="2" charset="0"/>
               <a:cs typeface="Ebrima" panose="02000000000000000000" pitchFamily="2" charset="0"/>
@@ -4991,7 +4988,7 @@
                 <a:spcPts val="1800"/>
               </a:spcBef>
             </a:pPr>
-            <a:endParaRPr lang="en-US" altLang="en-US" sz="3600" dirty="0">
+            <a:endParaRPr lang="en-US" altLang="en-US" sz="2800" dirty="0">
               <a:latin typeface="Calibri" panose="020F0502020204030204" pitchFamily="34" charset="0"/>
               <a:ea typeface="Ebrima" panose="02000000000000000000" pitchFamily="2" charset="0"/>
               <a:cs typeface="Ebrima" panose="02000000000000000000" pitchFamily="2" charset="0"/>
@@ -5006,7 +5003,7 @@
                 <a:spcPts val="1800"/>
               </a:spcBef>
             </a:pPr>
-            <a:endParaRPr lang="en-US" altLang="en-US" sz="3600" dirty="0">
+            <a:endParaRPr lang="en-US" altLang="en-US" sz="2800" dirty="0">
               <a:latin typeface="Calibri" panose="020F0502020204030204" pitchFamily="34" charset="0"/>
               <a:ea typeface="Ebrima" panose="02000000000000000000" pitchFamily="2" charset="0"/>
               <a:cs typeface="Ebrima" panose="02000000000000000000" pitchFamily="2" charset="0"/>
@@ -5021,7 +5018,7 @@
                 <a:spcPts val="1800"/>
               </a:spcBef>
             </a:pPr>
-            <a:endParaRPr lang="en-US" altLang="en-US" sz="3600" dirty="0">
+            <a:endParaRPr lang="en-US" altLang="en-US" sz="2800" dirty="0">
               <a:latin typeface="Calibri" panose="020F0502020204030204" pitchFamily="34" charset="0"/>
               <a:ea typeface="Ebrima" panose="02000000000000000000" pitchFamily="2" charset="0"/>
               <a:cs typeface="Ebrima" panose="02000000000000000000" pitchFamily="2" charset="0"/>
@@ -5036,7 +5033,7 @@
                 <a:spcPts val="1800"/>
               </a:spcBef>
             </a:pPr>
-            <a:endParaRPr lang="en-US" altLang="en-US" sz="3600" dirty="0">
+            <a:endParaRPr lang="en-US" altLang="en-US" sz="2800" dirty="0">
               <a:latin typeface="Calibri" panose="020F0502020204030204" pitchFamily="34" charset="0"/>
               <a:ea typeface="Ebrima" panose="02000000000000000000" pitchFamily="2" charset="0"/>
               <a:cs typeface="Ebrima" panose="02000000000000000000" pitchFamily="2" charset="0"/>
@@ -5051,14 +5048,11 @@
                 <a:spcPts val="1800"/>
               </a:spcBef>
             </a:pPr>
-            <a:r>
-              <a:rPr lang="en-US" altLang="en-US" sz="3600" dirty="0">
-                <a:latin typeface="Calibri" panose="020F0502020204030204" pitchFamily="34" charset="0"/>
-                <a:ea typeface="Ebrima" panose="02000000000000000000" pitchFamily="2" charset="0"/>
-                <a:cs typeface="Ebrima" panose="02000000000000000000" pitchFamily="2" charset="0"/>
-              </a:rPr>
-              <a:t> </a:t>
-            </a:r>
+            <a:endParaRPr lang="en-US" altLang="en-US" sz="2800" dirty="0">
+              <a:latin typeface="Calibri" panose="020F0502020204030204" pitchFamily="34" charset="0"/>
+              <a:ea typeface="Ebrima" panose="02000000000000000000" pitchFamily="2" charset="0"/>
+              <a:cs typeface="Ebrima" panose="02000000000000000000" pitchFamily="2" charset="0"/>
+            </a:endParaRPr>
           </a:p>
           <a:p>
             <a:pPr eaLnBrk="1" hangingPunct="1">
@@ -5069,14 +5063,11 @@
                 <a:spcPts val="1800"/>
               </a:spcBef>
             </a:pPr>
-            <a:r>
-              <a:rPr lang="en-US" altLang="en-US" sz="3600" dirty="0">
-                <a:latin typeface="Calibri" panose="020F0502020204030204" pitchFamily="34" charset="0"/>
-                <a:ea typeface="Ebrima" panose="02000000000000000000" pitchFamily="2" charset="0"/>
-                <a:cs typeface="Ebrima" panose="02000000000000000000" pitchFamily="2" charset="0"/>
-              </a:rPr>
-              <a:t>  </a:t>
-            </a:r>
+            <a:endParaRPr lang="en-US" altLang="en-US" sz="2800" dirty="0">
+              <a:latin typeface="Calibri" panose="020F0502020204030204" pitchFamily="34" charset="0"/>
+              <a:ea typeface="Ebrima" panose="02000000000000000000" pitchFamily="2" charset="0"/>
+              <a:cs typeface="Ebrima" panose="02000000000000000000" pitchFamily="2" charset="0"/>
+            </a:endParaRPr>
           </a:p>
           <a:p>
             <a:pPr eaLnBrk="1" hangingPunct="1">
@@ -5088,127 +5079,13 @@
               </a:spcBef>
             </a:pPr>
             <a:r>
-              <a:rPr lang="en-US" altLang="en-US" sz="3600" dirty="0">
+              <a:rPr lang="en-US" altLang="en-US" sz="2800" dirty="0">
                 <a:latin typeface="Calibri" panose="020F0502020204030204" pitchFamily="34" charset="0"/>
                 <a:ea typeface="Ebrima" panose="02000000000000000000" pitchFamily="2" charset="0"/>
                 <a:cs typeface="Ebrima" panose="02000000000000000000" pitchFamily="2" charset="0"/>
               </a:rPr>
-              <a:t> </a:t>
-            </a:r>
-          </a:p>
-          <a:p>
-            <a:pPr eaLnBrk="1" hangingPunct="1">
-              <a:lnSpc>
-                <a:spcPts val="5000"/>
-              </a:lnSpc>
-              <a:spcBef>
-                <a:spcPts val="1800"/>
-              </a:spcBef>
-              <a:defRPr/>
-            </a:pPr>
-            <a:r>
-              <a:rPr lang="en-GB" sz="3600" dirty="0">
-                <a:latin typeface="Calibri" panose="020F0502020204030204" pitchFamily="34" charset="0"/>
-                <a:ea typeface="Ebrima" panose="02000000000000000000" pitchFamily="2" charset="0"/>
-                <a:cs typeface="Ebrima" panose="02000000000000000000" pitchFamily="2" charset="0"/>
-              </a:rPr>
-              <a:t>For more tips on creating posters see</a:t>
-            </a:r>
-          </a:p>
-          <a:p>
-            <a:pPr marL="360000" indent="-360000" eaLnBrk="1" hangingPunct="1">
-              <a:lnSpc>
-                <a:spcPts val="5000"/>
-              </a:lnSpc>
-              <a:spcBef>
-                <a:spcPts val="1200"/>
-              </a:spcBef>
-              <a:buFont typeface="Arial" charset="0"/>
-              <a:buChar char="•"/>
-              <a:defRPr/>
-            </a:pPr>
-            <a:r>
-              <a:rPr lang="en-GB" sz="3600" dirty="0">
-                <a:latin typeface="Calibri" panose="020F0502020204030204" pitchFamily="34" charset="0"/>
-                <a:ea typeface="Ebrima" panose="02000000000000000000" pitchFamily="2" charset="0"/>
-                <a:cs typeface="Ebrima" panose="02000000000000000000" pitchFamily="2" charset="0"/>
-              </a:rPr>
-              <a:t>http://colinpurrington.com/tips/poster-design </a:t>
-            </a:r>
-          </a:p>
-          <a:p>
-            <a:pPr marL="360000" indent="-360000" eaLnBrk="1" hangingPunct="1">
-              <a:lnSpc>
-                <a:spcPts val="5000"/>
-              </a:lnSpc>
-              <a:spcBef>
-                <a:spcPts val="1200"/>
-              </a:spcBef>
-              <a:buFont typeface="Arial" charset="0"/>
-              <a:buChar char="•"/>
-              <a:defRPr/>
-            </a:pPr>
-            <a:r>
-              <a:rPr lang="en-GB" sz="3600" dirty="0">
-                <a:latin typeface="Calibri" panose="020F0502020204030204" pitchFamily="34" charset="0"/>
-                <a:ea typeface="Ebrima" panose="02000000000000000000" pitchFamily="2" charset="0"/>
-                <a:cs typeface="Ebrima" panose="02000000000000000000" pitchFamily="2" charset="0"/>
-              </a:rPr>
-              <a:t>http://www.thescientist.com/?articles.view/articleNo/31071/title/Poster-Perfect/Bullet </a:t>
-            </a:r>
-          </a:p>
-          <a:p>
-            <a:pPr eaLnBrk="1" hangingPunct="1">
-              <a:lnSpc>
-                <a:spcPts val="5000"/>
-              </a:lnSpc>
-              <a:spcBef>
-                <a:spcPts val="1200"/>
-              </a:spcBef>
-              <a:defRPr/>
-            </a:pPr>
-            <a:endParaRPr lang="en-GB" sz="3600" dirty="0">
-              <a:latin typeface="Calibri" panose="020F0502020204030204" pitchFamily="34" charset="0"/>
-              <a:ea typeface="Ebrima" panose="02000000000000000000" pitchFamily="2" charset="0"/>
-              <a:cs typeface="Ebrima" panose="02000000000000000000" pitchFamily="2" charset="0"/>
-            </a:endParaRPr>
-          </a:p>
-          <a:p>
-            <a:pPr eaLnBrk="1" hangingPunct="1">
-              <a:lnSpc>
-                <a:spcPts val="5000"/>
-              </a:lnSpc>
-              <a:spcBef>
-                <a:spcPts val="1200"/>
-              </a:spcBef>
-              <a:defRPr/>
-            </a:pPr>
-            <a:r>
-              <a:rPr lang="en-GB" sz="3600" dirty="0">
-                <a:latin typeface="Calibri" panose="020F0502020204030204" pitchFamily="34" charset="0"/>
-                <a:ea typeface="Ebrima" panose="02000000000000000000" pitchFamily="2" charset="0"/>
-                <a:cs typeface="Ebrima" panose="02000000000000000000" pitchFamily="2" charset="0"/>
-              </a:rPr>
-              <a:t>After text is finalized, in View menu check Ruler, Gridlines and Guides to check that headers, figures and text are nicely aligned. If figures are more narrow than the columns, align them centrally.</a:t>
-            </a:r>
-          </a:p>
-          <a:p>
-            <a:pPr marL="360000" indent="-360000" eaLnBrk="1" hangingPunct="1">
-              <a:lnSpc>
-                <a:spcPts val="5000"/>
-              </a:lnSpc>
-              <a:spcBef>
-                <a:spcPts val="1200"/>
-              </a:spcBef>
-              <a:buFont typeface="Arial" charset="0"/>
-              <a:buChar char="•"/>
-              <a:defRPr/>
-            </a:pPr>
-            <a:endParaRPr lang="en-GB" sz="3600" dirty="0">
-              <a:latin typeface="Calibri" panose="020F0502020204030204" pitchFamily="34" charset="0"/>
-              <a:ea typeface="Ebrima" panose="02000000000000000000" pitchFamily="2" charset="0"/>
-              <a:cs typeface="Ebrima" panose="02000000000000000000" pitchFamily="2" charset="0"/>
-            </a:endParaRPr>
+              <a:t>Third, our approach of fixing the size of timesteps and the format of each bar allowed us to “trick” the generator and take the input as 2 bars with 128 timesteps each instead of 16 bars with 16 timesteps each. This allowed for better bar-to-bar transition, hence, improving the quality of the generated samples.	</a:t>
+            </a:r>
           </a:p>
           <a:p>
             <a:pPr eaLnBrk="1" hangingPunct="1">
@@ -5219,7 +5096,61 @@
                 <a:spcPts val="1800"/>
               </a:spcBef>
             </a:pPr>
-            <a:endParaRPr lang="en-US" altLang="en-US" sz="3600" dirty="0">
+            <a:r>
+              <a:rPr lang="en-US" altLang="en-US" sz="2800" dirty="0">
+                <a:latin typeface="Calibri" panose="020F0502020204030204" pitchFamily="34" charset="0"/>
+                <a:ea typeface="Ebrima" panose="02000000000000000000" pitchFamily="2" charset="0"/>
+                <a:cs typeface="Ebrima" panose="02000000000000000000" pitchFamily="2" charset="0"/>
+              </a:rPr>
+              <a:t>Fourth, while achieving 0.76 test accuracy in binary classification of Handel vs Bach pieces, our traditional classifiers with n-grams of chord sequences performed poorly with multi-composer classification. Also, this approach does not measure the quality of each sample and the performance of the model which leads to our final work.</a:t>
+            </a:r>
+          </a:p>
+          <a:p>
+            <a:pPr eaLnBrk="1" hangingPunct="1">
+              <a:lnSpc>
+                <a:spcPts val="5000"/>
+              </a:lnSpc>
+              <a:spcBef>
+                <a:spcPts val="1800"/>
+              </a:spcBef>
+            </a:pPr>
+            <a:r>
+              <a:rPr lang="en-US" altLang="en-US" sz="2800" dirty="0">
+                <a:latin typeface="Calibri" panose="020F0502020204030204" pitchFamily="34" charset="0"/>
+                <a:ea typeface="Ebrima" panose="02000000000000000000" pitchFamily="2" charset="0"/>
+                <a:cs typeface="Ebrima" panose="02000000000000000000" pitchFamily="2" charset="0"/>
+              </a:rPr>
+              <a:t>For our final work, we built an LSTM-RNN based classifier that takes key signal transpose and the number of occurrences for the notes to serve as a MIDI-classifier. We achieved 0.803 test accuracy with 8 composers.</a:t>
+            </a:r>
+          </a:p>
+          <a:p>
+            <a:pPr eaLnBrk="1" hangingPunct="1">
+              <a:lnSpc>
+                <a:spcPts val="5000"/>
+              </a:lnSpc>
+              <a:spcBef>
+                <a:spcPts val="1800"/>
+              </a:spcBef>
+            </a:pPr>
+            <a:r>
+              <a:rPr lang="en-US" altLang="en-US" sz="2800" dirty="0">
+                <a:latin typeface="Calibri" panose="020F0502020204030204" pitchFamily="34" charset="0"/>
+                <a:ea typeface="Ebrima" panose="02000000000000000000" pitchFamily="2" charset="0"/>
+                <a:cs typeface="Ebrima" panose="02000000000000000000" pitchFamily="2" charset="0"/>
+              </a:rPr>
+              <a:t>Lastly, using the concept of Inception Score, we have been working to adapt it towards the domain of music, in order to examine the quality of the pieces as well generative model. With the 8 composers, we achieved a score of 5.8 (out of 8).</a:t>
+            </a:r>
+          </a:p>
+          <a:p>
+            <a:pPr eaLnBrk="1" hangingPunct="1">
+              <a:lnSpc>
+                <a:spcPts val="5000"/>
+              </a:lnSpc>
+              <a:spcBef>
+                <a:spcPts val="1800"/>
+              </a:spcBef>
+            </a:pPr>
+            <a:endParaRPr lang="en-US" altLang="en-US" sz="2800" dirty="0">
               <a:latin typeface="Calibri" panose="020F0502020204030204" pitchFamily="34" charset="0"/>
               <a:ea typeface="Ebrima" panose="02000000000000000000" pitchFamily="2" charset="0"/>
               <a:cs typeface="Ebrima" panose="02000000000000000000" pitchFamily="2" charset="0"/>
@@ -5796,18 +5727,29 @@
               <a:defRPr/>
             </a:pPr>
             <a:r>
-              <a:rPr lang="en-US" altLang="en-US" sz="3600" dirty="0">
+              <a:rPr lang="en-US" sz="2800" dirty="0">
                 <a:latin typeface="Calibri" panose="020F0502020204030204" pitchFamily="34" charset="0"/>
                 <a:ea typeface="Ebrima" panose="02000000000000000000" pitchFamily="2" charset="0"/>
                 <a:cs typeface="Ebrima" panose="02000000000000000000" pitchFamily="2" charset="0"/>
               </a:rPr>
-              <a:t>Conclusions, again, should be brief, and they should leave the reader with a clear message to take away.</a:t>
-            </a:r>
-            <a:endParaRPr lang="en-US" sz="3600" dirty="0">
-              <a:latin typeface="Calibri" panose="020F0502020204030204" pitchFamily="34" charset="0"/>
-              <a:ea typeface="Ebrima" panose="02000000000000000000" pitchFamily="2" charset="0"/>
-              <a:cs typeface="Ebrima" panose="02000000000000000000" pitchFamily="2" charset="0"/>
-            </a:endParaRPr>
+              <a:t>While we have been working towards adapting our Inception Score metric to evaluate our deep music generation, therein lies issue in the fact that our LSTM-RNN classifier needs improved results, test accuracy wise, for our metric to grasp a better idea of the performance of </a:t>
+            </a:r>
+            <a:r>
+              <a:rPr lang="en-US" sz="2800" dirty="0" err="1">
+                <a:latin typeface="Calibri" panose="020F0502020204030204" pitchFamily="34" charset="0"/>
+                <a:ea typeface="Ebrima" panose="02000000000000000000" pitchFamily="2" charset="0"/>
+                <a:cs typeface="Ebrima" panose="02000000000000000000" pitchFamily="2" charset="0"/>
+              </a:rPr>
+              <a:t>MuseGAN</a:t>
+            </a:r>
+            <a:r>
+              <a:rPr lang="en-US" sz="2800" dirty="0">
+                <a:latin typeface="Calibri" panose="020F0502020204030204" pitchFamily="34" charset="0"/>
+                <a:ea typeface="Ebrima" panose="02000000000000000000" pitchFamily="2" charset="0"/>
+                <a:cs typeface="Ebrima" panose="02000000000000000000" pitchFamily="2" charset="0"/>
+              </a:rPr>
+              <a:t>. Thus, we intend to continue working to improve the classifier model.</a:t>
+            </a:r>
           </a:p>
           <a:p>
             <a:pPr eaLnBrk="1" hangingPunct="1">
@@ -5820,26 +5762,29 @@
               <a:defRPr/>
             </a:pPr>
             <a:r>
-              <a:rPr lang="en-US" sz="3600" dirty="0">
+              <a:rPr lang="en-US" sz="2800" dirty="0">
                 <a:latin typeface="Calibri" panose="020F0502020204030204" pitchFamily="34" charset="0"/>
                 <a:ea typeface="Ebrima" panose="02000000000000000000" pitchFamily="2" charset="0"/>
                 <a:cs typeface="Ebrima" panose="02000000000000000000" pitchFamily="2" charset="0"/>
               </a:rPr>
-              <a:t>Save your poster as a PowerPoint as you go. Save the final version as print-quality PDF.  Preview: To see your in poster in actual size, go to view-zoom-100%. It’s important to walk through your poster viewing it at 100% to be sure it’s going to look OK. Then proofread a black-and-white printed copy before the final print. </a:t>
-            </a:r>
-            <a:r>
-              <a:rPr lang="en-US" altLang="en-US" sz="3600" dirty="0">
+              <a:t>As seen in figure 2, the </a:t>
+            </a:r>
+            <a:r>
+              <a:rPr lang="en-US" sz="2800" dirty="0" err="1">
                 <a:latin typeface="Calibri" panose="020F0502020204030204" pitchFamily="34" charset="0"/>
                 <a:ea typeface="Ebrima" panose="02000000000000000000" pitchFamily="2" charset="0"/>
                 <a:cs typeface="Ebrima" panose="02000000000000000000" pitchFamily="2" charset="0"/>
               </a:rPr>
-              <a:t>Spell check and get someone else to proof-read.</a:t>
-            </a:r>
-            <a:endParaRPr lang="en-US" sz="3600" dirty="0">
-              <a:latin typeface="Calibri" panose="020F0502020204030204" pitchFamily="34" charset="0"/>
-              <a:ea typeface="Ebrima" panose="02000000000000000000" pitchFamily="2" charset="0"/>
-              <a:cs typeface="Ebrima" panose="02000000000000000000" pitchFamily="2" charset="0"/>
-            </a:endParaRPr>
+              <a:t>MuseGAN</a:t>
+            </a:r>
+            <a:r>
+              <a:rPr lang="en-US" sz="2800" dirty="0">
+                <a:latin typeface="Calibri" panose="020F0502020204030204" pitchFamily="34" charset="0"/>
+                <a:ea typeface="Ebrima" panose="02000000000000000000" pitchFamily="2" charset="0"/>
+                <a:cs typeface="Ebrima" panose="02000000000000000000" pitchFamily="2" charset="0"/>
+              </a:rPr>
+              <a:t> model trained with 14 composers achieves results that did not perform as well as that with 8 composers. There does lie the issue of insufficient training pieces from some composers explaining why the 14 composers had such an accuracy. So we will continue to build our classical music archive.</a:t>
+            </a:r>
           </a:p>
           <a:p>
             <a:pPr eaLnBrk="1" hangingPunct="1">
@@ -5852,28 +5797,12 @@
               <a:defRPr/>
             </a:pPr>
             <a:r>
-              <a:rPr lang="en-US" sz="3600" dirty="0">
+              <a:rPr lang="en-US" sz="2800" dirty="0">
                 <a:latin typeface="Calibri" panose="020F0502020204030204" pitchFamily="34" charset="0"/>
                 <a:ea typeface="Ebrima" panose="02000000000000000000" pitchFamily="2" charset="0"/>
                 <a:cs typeface="Ebrima" panose="02000000000000000000" pitchFamily="2" charset="0"/>
               </a:rPr>
-              <a:t>Note: Do not leave your poster until the last minute. This is the first time CS department is doing poster presentation and there may be delays in the process. Allow at </a:t>
-            </a:r>
-            <a:r>
-              <a:rPr lang="en-US" sz="3600">
-                <a:latin typeface="Calibri" panose="020F0502020204030204" pitchFamily="34" charset="0"/>
-                <a:ea typeface="Ebrima" panose="02000000000000000000" pitchFamily="2" charset="0"/>
-                <a:cs typeface="Ebrima" panose="02000000000000000000" pitchFamily="2" charset="0"/>
-              </a:rPr>
-              <a:t>least 3 </a:t>
-            </a:r>
-            <a:r>
-              <a:rPr lang="en-US" sz="3600" dirty="0">
-                <a:latin typeface="Calibri" panose="020F0502020204030204" pitchFamily="34" charset="0"/>
-                <a:ea typeface="Ebrima" panose="02000000000000000000" pitchFamily="2" charset="0"/>
-                <a:cs typeface="Ebrima" panose="02000000000000000000" pitchFamily="2" charset="0"/>
-              </a:rPr>
-              <a:t>working days before you need to use it. </a:t>
+              <a:t>Following our results from our Inception Score metric, a method in which we would be to further validate our metric would be finding the correlation between human reaction and the scores. We can achieve this by conducting a crowdsourced survey of the generated pieces.</a:t>
             </a:r>
           </a:p>
           <a:p>
@@ -5886,7 +5815,39 @@
               </a:spcBef>
               <a:defRPr/>
             </a:pPr>
-            <a:endParaRPr lang="en-US" sz="3600" dirty="0">
+            <a:endParaRPr lang="en-US" sz="2800" dirty="0">
+              <a:latin typeface="Calibri" panose="020F0502020204030204" pitchFamily="34" charset="0"/>
+              <a:ea typeface="Ebrima" panose="02000000000000000000" pitchFamily="2" charset="0"/>
+              <a:cs typeface="Ebrima" panose="02000000000000000000" pitchFamily="2" charset="0"/>
+            </a:endParaRPr>
+          </a:p>
+          <a:p>
+            <a:pPr eaLnBrk="1" hangingPunct="1">
+              <a:lnSpc>
+                <a:spcPts val="5000"/>
+              </a:lnSpc>
+              <a:spcBef>
+                <a:spcPts val="1800"/>
+              </a:spcBef>
+              <a:defRPr/>
+            </a:pPr>
+            <a:endParaRPr lang="en-US" sz="2800" dirty="0">
+              <a:latin typeface="Calibri" panose="020F0502020204030204" pitchFamily="34" charset="0"/>
+              <a:ea typeface="Ebrima" panose="02000000000000000000" pitchFamily="2" charset="0"/>
+              <a:cs typeface="Ebrima" panose="02000000000000000000" pitchFamily="2" charset="0"/>
+            </a:endParaRPr>
+          </a:p>
+          <a:p>
+            <a:pPr eaLnBrk="1" hangingPunct="1">
+              <a:lnSpc>
+                <a:spcPts val="5000"/>
+              </a:lnSpc>
+              <a:spcBef>
+                <a:spcPts val="1800"/>
+              </a:spcBef>
+              <a:defRPr/>
+            </a:pPr>
+            <a:endParaRPr lang="en-US" sz="2800" dirty="0">
               <a:latin typeface="Calibri" panose="020F0502020204030204" pitchFamily="34" charset="0"/>
               <a:ea typeface="Ebrima" panose="02000000000000000000" pitchFamily="2" charset="0"/>
               <a:cs typeface="Ebrima" panose="02000000000000000000" pitchFamily="2" charset="0"/>
@@ -5904,8 +5865,8 @@
         </p:nvSpPr>
         <p:spPr bwMode="auto">
           <a:xfrm>
-            <a:off x="15520988" y="38284964"/>
-            <a:ext cx="13944600" cy="2257028"/>
+            <a:off x="15520988" y="37770614"/>
+            <a:ext cx="13944600" cy="3704219"/>
           </a:xfrm>
           <a:prstGeom prst="rect">
             <a:avLst/>
@@ -6061,78 +6022,89 @@
             </a:r>
           </a:p>
           <a:p>
+            <a:r>
+              <a:rPr lang="en-US" sz="2400" dirty="0">
+                <a:latin typeface="Calibri" panose="020F0502020204030204" pitchFamily="34" charset="0"/>
+                <a:ea typeface="Ebrima" panose="02000000000000000000" pitchFamily="2" charset="0"/>
+                <a:cs typeface="Ebrima" panose="02000000000000000000" pitchFamily="2" charset="0"/>
+              </a:rPr>
+              <a:t>Dong, Hao-Wen. “</a:t>
+            </a:r>
+            <a:r>
+              <a:rPr lang="en-US" sz="2400" dirty="0" err="1">
+                <a:latin typeface="Calibri" panose="020F0502020204030204" pitchFamily="34" charset="0"/>
+                <a:ea typeface="Ebrima" panose="02000000000000000000" pitchFamily="2" charset="0"/>
+                <a:cs typeface="Ebrima" panose="02000000000000000000" pitchFamily="2" charset="0"/>
+              </a:rPr>
+              <a:t>MuseGAN</a:t>
+            </a:r>
+            <a:r>
+              <a:rPr lang="en-US" sz="2400" dirty="0">
+                <a:latin typeface="Calibri" panose="020F0502020204030204" pitchFamily="34" charset="0"/>
+                <a:ea typeface="Ebrima" panose="02000000000000000000" pitchFamily="2" charset="0"/>
+                <a:cs typeface="Ebrima" panose="02000000000000000000" pitchFamily="2" charset="0"/>
+              </a:rPr>
+              <a:t>: Multi-Track Sequential Generative Adversarial Networks for Symbolic Music</a:t>
+            </a:r>
+          </a:p>
+          <a:p>
+            <a:r>
+              <a:rPr lang="en-US" sz="2400" dirty="0">
+                <a:latin typeface="Calibri" panose="020F0502020204030204" pitchFamily="34" charset="0"/>
+                <a:ea typeface="Ebrima" panose="02000000000000000000" pitchFamily="2" charset="0"/>
+                <a:cs typeface="Ebrima" panose="02000000000000000000" pitchFamily="2" charset="0"/>
+              </a:rPr>
+              <a:t> Generation and Accompaniment.” ArXiv.org, 24 Nov. 2017, arxiv.org/abs/1709.06298.</a:t>
+            </a:r>
+          </a:p>
+          <a:p>
+            <a:endParaRPr lang="en-US" sz="2400" dirty="0">
+              <a:latin typeface="Calibri" panose="020F0502020204030204" pitchFamily="34" charset="0"/>
+              <a:ea typeface="Ebrima" panose="02000000000000000000" pitchFamily="2" charset="0"/>
+              <a:cs typeface="Ebrima" panose="02000000000000000000" pitchFamily="2" charset="0"/>
+            </a:endParaRPr>
+          </a:p>
+          <a:p>
+            <a:r>
+              <a:rPr lang="en-US" sz="2400" dirty="0">
+                <a:latin typeface="Calibri" panose="020F0502020204030204" pitchFamily="34" charset="0"/>
+                <a:ea typeface="Ebrima" panose="02000000000000000000" pitchFamily="2" charset="0"/>
+                <a:cs typeface="Ebrima" panose="02000000000000000000" pitchFamily="2" charset="0"/>
+              </a:rPr>
+              <a:t>Foster, David. Generative Deep Learning: Teaching Machines to Paint, Write, Compose, and Play. O'Reilly, 2019.</a:t>
+            </a:r>
+          </a:p>
+          <a:p>
+            <a:endParaRPr lang="en-US" sz="2400" dirty="0">
+              <a:latin typeface="Calibri" panose="020F0502020204030204" pitchFamily="34" charset="0"/>
+              <a:ea typeface="Ebrima" panose="02000000000000000000" pitchFamily="2" charset="0"/>
+              <a:cs typeface="Ebrima" panose="02000000000000000000" pitchFamily="2" charset="0"/>
+            </a:endParaRPr>
+          </a:p>
+          <a:p>
+            <a:r>
+              <a:rPr lang="en-US" sz="2400" dirty="0" err="1">
+                <a:latin typeface="Calibri" panose="020F0502020204030204" pitchFamily="34" charset="0"/>
+                <a:ea typeface="Ebrima" panose="02000000000000000000" pitchFamily="2" charset="0"/>
+                <a:cs typeface="Ebrima" panose="02000000000000000000" pitchFamily="2" charset="0"/>
+              </a:rPr>
+              <a:t>Salimans</a:t>
+            </a:r>
+            <a:r>
+              <a:rPr lang="en-US" sz="2400" dirty="0">
+                <a:latin typeface="Calibri" panose="020F0502020204030204" pitchFamily="34" charset="0"/>
+                <a:ea typeface="Ebrima" panose="02000000000000000000" pitchFamily="2" charset="0"/>
+                <a:cs typeface="Ebrima" panose="02000000000000000000" pitchFamily="2" charset="0"/>
+              </a:rPr>
+              <a:t>, Tim, and Ian Goodfellow. “Improved Techniques for Training GANs.” ArXiv.org, 10 June 2016, arxiv.org/abs/1606.03498.</a:t>
+            </a:r>
+          </a:p>
+          <a:p>
             <a:pPr>
               <a:lnSpc>
                 <a:spcPts val="2200"/>
               </a:lnSpc>
             </a:pPr>
-            <a:r>
-              <a:rPr lang="en-GB" altLang="en-US" sz="2400" dirty="0">
-                <a:latin typeface="Calibri" panose="020F0502020204030204" pitchFamily="34" charset="0"/>
-                <a:ea typeface="Ebrima" panose="02000000000000000000" pitchFamily="2" charset="0"/>
-                <a:cs typeface="Ebrima" panose="02000000000000000000" pitchFamily="2" charset="0"/>
-              </a:rPr>
-              <a:t>Optional. List 4-5 main sources of algorithms and data that were used in the project.</a:t>
-            </a:r>
-          </a:p>
-          <a:p>
-            <a:pPr>
-              <a:lnSpc>
-                <a:spcPts val="2200"/>
-              </a:lnSpc>
-            </a:pPr>
-            <a:endParaRPr lang="en-GB" altLang="en-US" sz="2400" dirty="0">
-              <a:latin typeface="Calibri" panose="020F0502020204030204" pitchFamily="34" charset="0"/>
-              <a:ea typeface="Ebrima" panose="02000000000000000000" pitchFamily="2" charset="0"/>
-              <a:cs typeface="Ebrima" panose="02000000000000000000" pitchFamily="2" charset="0"/>
-            </a:endParaRPr>
-          </a:p>
-          <a:p>
-            <a:pPr>
-              <a:lnSpc>
-                <a:spcPts val="2200"/>
-              </a:lnSpc>
-            </a:pPr>
-            <a:r>
-              <a:rPr lang="en-GB" altLang="en-US" sz="2400" dirty="0">
-                <a:latin typeface="Calibri" panose="020F0502020204030204" pitchFamily="34" charset="0"/>
-                <a:ea typeface="Ebrima" panose="02000000000000000000" pitchFamily="2" charset="0"/>
-                <a:cs typeface="Ebrima" panose="02000000000000000000" pitchFamily="2" charset="0"/>
-              </a:rPr>
-              <a:t>Poster printing info. Students should ignore this. Ms. Judy Weaver oversees poster printing in </a:t>
-            </a:r>
-            <a:r>
-              <a:rPr lang="en-GB" altLang="en-US" sz="2400" dirty="0" err="1">
-                <a:latin typeface="Calibri" panose="020F0502020204030204" pitchFamily="34" charset="0"/>
-                <a:ea typeface="Ebrima" panose="02000000000000000000" pitchFamily="2" charset="0"/>
-                <a:cs typeface="Ebrima" panose="02000000000000000000" pitchFamily="2" charset="0"/>
-              </a:rPr>
-              <a:t>Dept</a:t>
-            </a:r>
-            <a:r>
-              <a:rPr lang="en-GB" altLang="en-US" sz="2400" dirty="0">
-                <a:latin typeface="Calibri" panose="020F0502020204030204" pitchFamily="34" charset="0"/>
-                <a:ea typeface="Ebrima" panose="02000000000000000000" pitchFamily="2" charset="0"/>
-                <a:cs typeface="Ebrima" panose="02000000000000000000" pitchFamily="2" charset="0"/>
-              </a:rPr>
-              <a:t> of Cell and Molecular Biology. Account number to use for IT is </a:t>
-            </a:r>
-            <a:r>
-              <a:rPr lang="en-US" altLang="en-US" sz="2400" dirty="0">
-                <a:latin typeface="Calibri" panose="020F0502020204030204" pitchFamily="34" charset="0"/>
-                <a:ea typeface="Ebrima" panose="02000000000000000000" pitchFamily="2" charset="0"/>
-                <a:cs typeface="Ebrima" panose="02000000000000000000" pitchFamily="2" charset="0"/>
-              </a:rPr>
-              <a:t>8815 and plain 36-inch paper should be requested. Her office is in 4064 Stern and  number is 862-3160.</a:t>
-            </a:r>
-            <a:r>
-              <a:rPr lang="en-GB" altLang="en-US" sz="2400" dirty="0">
-                <a:latin typeface="Calibri" panose="020F0502020204030204" pitchFamily="34" charset="0"/>
-                <a:ea typeface="Ebrima" panose="02000000000000000000" pitchFamily="2" charset="0"/>
-                <a:cs typeface="Ebrima" panose="02000000000000000000" pitchFamily="2" charset="0"/>
-              </a:rPr>
-              <a:t> </a:t>
-            </a:r>
             <a:endParaRPr lang="en-GB" altLang="en-US" sz="1800" dirty="0">
               <a:latin typeface="Calibri" panose="020F0502020204030204" pitchFamily="34" charset="0"/>
               <a:ea typeface="Ebrima" panose="02000000000000000000" pitchFamily="2" charset="0"/>
@@ -6141,611 +6113,29 @@
           </a:p>
         </p:txBody>
       </p:sp>
-      <p:sp>
-        <p:nvSpPr>
-          <p:cNvPr id="14343" name="AutoShape 90"/>
-          <p:cNvSpPr>
-            <a:spLocks noChangeArrowheads="1"/>
-          </p:cNvSpPr>
-          <p:nvPr/>
-        </p:nvSpPr>
-        <p:spPr bwMode="auto">
-          <a:xfrm>
-            <a:off x="793750" y="12472987"/>
-            <a:ext cx="13965238" cy="4972407"/>
-          </a:xfrm>
-          <a:prstGeom prst="roundRect">
-            <a:avLst>
-              <a:gd name="adj" fmla="val 8338"/>
-            </a:avLst>
-          </a:prstGeom>
-          <a:solidFill>
-            <a:schemeClr val="bg1"/>
-          </a:solidFill>
-          <a:ln w="76200">
-            <a:solidFill>
-              <a:schemeClr val="bg1"/>
-            </a:solidFill>
-            <a:round/>
-            <a:headEnd/>
-            <a:tailEnd/>
-          </a:ln>
-        </p:spPr>
-        <p:txBody>
-          <a:bodyPr/>
-          <a:lstStyle>
-            <a:lvl1pPr>
-              <a:defRPr sz="2300">
-                <a:solidFill>
-                  <a:schemeClr val="tx1"/>
-                </a:solidFill>
-                <a:latin typeface="Arial" panose="020B0604020202020204" pitchFamily="34" charset="0"/>
-                <a:ea typeface="MS PGothic" panose="020B0600070205080204" pitchFamily="34" charset="-128"/>
-              </a:defRPr>
-            </a:lvl1pPr>
-            <a:lvl2pPr marL="742950" indent="-285750">
-              <a:defRPr sz="2300">
-                <a:solidFill>
-                  <a:schemeClr val="tx1"/>
-                </a:solidFill>
-                <a:latin typeface="Arial" panose="020B0604020202020204" pitchFamily="34" charset="0"/>
-                <a:ea typeface="MS PGothic" panose="020B0600070205080204" pitchFamily="34" charset="-128"/>
-              </a:defRPr>
-            </a:lvl2pPr>
-            <a:lvl3pPr marL="1143000" indent="-228600">
-              <a:defRPr sz="2300">
-                <a:solidFill>
-                  <a:schemeClr val="tx1"/>
-                </a:solidFill>
-                <a:latin typeface="Arial" panose="020B0604020202020204" pitchFamily="34" charset="0"/>
-                <a:ea typeface="MS PGothic" panose="020B0600070205080204" pitchFamily="34" charset="-128"/>
-              </a:defRPr>
-            </a:lvl3pPr>
-            <a:lvl4pPr marL="1600200" indent="-228600">
-              <a:defRPr sz="2300">
-                <a:solidFill>
-                  <a:schemeClr val="tx1"/>
-                </a:solidFill>
-                <a:latin typeface="Arial" panose="020B0604020202020204" pitchFamily="34" charset="0"/>
-                <a:ea typeface="MS PGothic" panose="020B0600070205080204" pitchFamily="34" charset="-128"/>
-              </a:defRPr>
-            </a:lvl4pPr>
-            <a:lvl5pPr marL="2057400" indent="-228600">
-              <a:defRPr sz="2300">
-                <a:solidFill>
-                  <a:schemeClr val="tx1"/>
-                </a:solidFill>
-                <a:latin typeface="Arial" panose="020B0604020202020204" pitchFamily="34" charset="0"/>
-                <a:ea typeface="MS PGothic" panose="020B0600070205080204" pitchFamily="34" charset="-128"/>
-              </a:defRPr>
-            </a:lvl5pPr>
-            <a:lvl6pPr marL="2514600" indent="-228600" eaLnBrk="0" fontAlgn="base" hangingPunct="0">
-              <a:spcBef>
-                <a:spcPct val="0"/>
-              </a:spcBef>
-              <a:spcAft>
-                <a:spcPct val="0"/>
-              </a:spcAft>
-              <a:defRPr sz="2300">
-                <a:solidFill>
-                  <a:schemeClr val="tx1"/>
-                </a:solidFill>
-                <a:latin typeface="Arial" panose="020B0604020202020204" pitchFamily="34" charset="0"/>
-                <a:ea typeface="MS PGothic" panose="020B0600070205080204" pitchFamily="34" charset="-128"/>
-              </a:defRPr>
-            </a:lvl6pPr>
-            <a:lvl7pPr marL="2971800" indent="-228600" eaLnBrk="0" fontAlgn="base" hangingPunct="0">
-              <a:spcBef>
-                <a:spcPct val="0"/>
-              </a:spcBef>
-              <a:spcAft>
-                <a:spcPct val="0"/>
-              </a:spcAft>
-              <a:defRPr sz="2300">
-                <a:solidFill>
-                  <a:schemeClr val="tx1"/>
-                </a:solidFill>
-                <a:latin typeface="Arial" panose="020B0604020202020204" pitchFamily="34" charset="0"/>
-                <a:ea typeface="MS PGothic" panose="020B0600070205080204" pitchFamily="34" charset="-128"/>
-              </a:defRPr>
-            </a:lvl7pPr>
-            <a:lvl8pPr marL="3429000" indent="-228600" eaLnBrk="0" fontAlgn="base" hangingPunct="0">
-              <a:spcBef>
-                <a:spcPct val="0"/>
-              </a:spcBef>
-              <a:spcAft>
-                <a:spcPct val="0"/>
-              </a:spcAft>
-              <a:defRPr sz="2300">
-                <a:solidFill>
-                  <a:schemeClr val="tx1"/>
-                </a:solidFill>
-                <a:latin typeface="Arial" panose="020B0604020202020204" pitchFamily="34" charset="0"/>
-                <a:ea typeface="MS PGothic" panose="020B0600070205080204" pitchFamily="34" charset="-128"/>
-              </a:defRPr>
-            </a:lvl8pPr>
-            <a:lvl9pPr marL="3886200" indent="-228600" eaLnBrk="0" fontAlgn="base" hangingPunct="0">
-              <a:spcBef>
-                <a:spcPct val="0"/>
-              </a:spcBef>
-              <a:spcAft>
-                <a:spcPct val="0"/>
-              </a:spcAft>
-              <a:defRPr sz="2300">
-                <a:solidFill>
-                  <a:schemeClr val="tx1"/>
-                </a:solidFill>
-                <a:latin typeface="Arial" panose="020B0604020202020204" pitchFamily="34" charset="0"/>
-                <a:ea typeface="MS PGothic" panose="020B0600070205080204" pitchFamily="34" charset="-128"/>
-              </a:defRPr>
-            </a:lvl9pPr>
-          </a:lstStyle>
-          <a:p>
-            <a:pPr eaLnBrk="1" hangingPunct="1">
-              <a:lnSpc>
-                <a:spcPts val="5000"/>
-              </a:lnSpc>
-              <a:spcBef>
-                <a:spcPts val="1800"/>
-              </a:spcBef>
-            </a:pPr>
-            <a:r>
-              <a:rPr lang="en-US" altLang="en-US" sz="3600" dirty="0">
-                <a:latin typeface="Calibri" panose="020F0502020204030204" pitchFamily="34" charset="0"/>
-                <a:ea typeface="Ebrima" panose="02000000000000000000" pitchFamily="2" charset="0"/>
-                <a:cs typeface="Ebrima" panose="02000000000000000000" pitchFamily="2" charset="0"/>
-              </a:rPr>
-              <a:t>It is not necessary to write in complete sentences; sentence fragments may be easier to comprehend. Bulleted lists are effective. An alternative is to break the text into chunks—small units that are not necessarily paragraphs in the usual sense. For presenting results, graphs and figures  are   preferred over tables for data presentation.  Legends should be minimal. A brief description of the implications of a graphic, placed just above or below it, is helpful. </a:t>
-            </a:r>
-            <a:endParaRPr lang="en-GB" altLang="en-US" sz="3600" dirty="0">
-              <a:latin typeface="Calibri" panose="020F0502020204030204" pitchFamily="34" charset="0"/>
-              <a:ea typeface="Ebrima" panose="02000000000000000000" pitchFamily="2" charset="0"/>
-              <a:cs typeface="Ebrima" panose="02000000000000000000" pitchFamily="2" charset="0"/>
-            </a:endParaRPr>
-          </a:p>
-          <a:p>
-            <a:pPr eaLnBrk="1" hangingPunct="1">
-              <a:lnSpc>
-                <a:spcPts val="5000"/>
-              </a:lnSpc>
-              <a:spcBef>
-                <a:spcPts val="1800"/>
-              </a:spcBef>
-            </a:pPr>
-            <a:r>
-              <a:rPr lang="en-US" altLang="en-US" sz="3600" dirty="0">
-                <a:latin typeface="Calibri" panose="020F0502020204030204" pitchFamily="34" charset="0"/>
-                <a:ea typeface="Ebrima" panose="02000000000000000000" pitchFamily="2" charset="0"/>
-                <a:cs typeface="Ebrima" panose="02000000000000000000" pitchFamily="2" charset="0"/>
-              </a:rPr>
-              <a:t>This broad outline includes an introductory information,  statement of the problem, a description of the method of attack, a presentation of results, and then a summary of the work. But within that format, there is much scope for ingenuity. A question-and-answer format, for example, may be appropriate for part of the poster.  Adjust the sections based on the content you have to present. </a:t>
-            </a:r>
-            <a:endParaRPr lang="en-GB" altLang="en-US" sz="3600" dirty="0">
-              <a:latin typeface="Calibri" panose="020F0502020204030204" pitchFamily="34" charset="0"/>
-              <a:ea typeface="Ebrima" panose="02000000000000000000" pitchFamily="2" charset="0"/>
-              <a:cs typeface="Ebrima" panose="02000000000000000000" pitchFamily="2" charset="0"/>
-            </a:endParaRPr>
-          </a:p>
-        </p:txBody>
-      </p:sp>
-      <p:sp>
-        <p:nvSpPr>
-          <p:cNvPr id="14344" name="Rectangle 20"/>
-          <p:cNvSpPr>
-            <a:spLocks noChangeArrowheads="1"/>
-          </p:cNvSpPr>
-          <p:nvPr/>
-        </p:nvSpPr>
-        <p:spPr bwMode="auto">
-          <a:xfrm>
-            <a:off x="684213" y="28203525"/>
-            <a:ext cx="10136187" cy="528350"/>
-          </a:xfrm>
-          <a:prstGeom prst="rect">
-            <a:avLst/>
-          </a:prstGeom>
-          <a:noFill/>
-          <a:ln>
-            <a:noFill/>
-          </a:ln>
-          <a:extLst>
-            <a:ext uri="{909E8E84-426E-40DD-AFC4-6F175D3DCCD1}">
-              <a14:hiddenFill xmlns:a14="http://schemas.microsoft.com/office/drawing/2010/main">
-                <a:solidFill>
-                  <a:srgbClr val="FFFFFF"/>
-                </a:solidFill>
-              </a14:hiddenFill>
-            </a:ext>
-            <a:ext uri="{91240B29-F687-4F45-9708-019B960494DF}">
-              <a14:hiddenLine xmlns:a14="http://schemas.microsoft.com/office/drawing/2010/main" w="9525">
-                <a:solidFill>
-                  <a:srgbClr val="000000"/>
-                </a:solidFill>
-                <a:miter lim="800000"/>
-                <a:headEnd/>
-                <a:tailEnd/>
-              </a14:hiddenLine>
-            </a:ext>
-          </a:extLst>
-        </p:spPr>
-        <p:txBody>
-          <a:bodyPr>
-            <a:spAutoFit/>
-          </a:bodyPr>
-          <a:lstStyle>
-            <a:lvl1pPr>
-              <a:defRPr sz="2300">
-                <a:solidFill>
-                  <a:schemeClr val="tx1"/>
-                </a:solidFill>
-                <a:latin typeface="Arial" panose="020B0604020202020204" pitchFamily="34" charset="0"/>
-                <a:ea typeface="MS PGothic" panose="020B0600070205080204" pitchFamily="34" charset="-128"/>
-              </a:defRPr>
-            </a:lvl1pPr>
-            <a:lvl2pPr marL="742950" indent="-285750">
-              <a:defRPr sz="2300">
-                <a:solidFill>
-                  <a:schemeClr val="tx1"/>
-                </a:solidFill>
-                <a:latin typeface="Arial" panose="020B0604020202020204" pitchFamily="34" charset="0"/>
-                <a:ea typeface="MS PGothic" panose="020B0600070205080204" pitchFamily="34" charset="-128"/>
-              </a:defRPr>
-            </a:lvl2pPr>
-            <a:lvl3pPr marL="1143000" indent="-228600">
-              <a:defRPr sz="2300">
-                <a:solidFill>
-                  <a:schemeClr val="tx1"/>
-                </a:solidFill>
-                <a:latin typeface="Arial" panose="020B0604020202020204" pitchFamily="34" charset="0"/>
-                <a:ea typeface="MS PGothic" panose="020B0600070205080204" pitchFamily="34" charset="-128"/>
-              </a:defRPr>
-            </a:lvl3pPr>
-            <a:lvl4pPr marL="1600200" indent="-228600">
-              <a:defRPr sz="2300">
-                <a:solidFill>
-                  <a:schemeClr val="tx1"/>
-                </a:solidFill>
-                <a:latin typeface="Arial" panose="020B0604020202020204" pitchFamily="34" charset="0"/>
-                <a:ea typeface="MS PGothic" panose="020B0600070205080204" pitchFamily="34" charset="-128"/>
-              </a:defRPr>
-            </a:lvl4pPr>
-            <a:lvl5pPr marL="2057400" indent="-228600">
-              <a:defRPr sz="2300">
-                <a:solidFill>
-                  <a:schemeClr val="tx1"/>
-                </a:solidFill>
-                <a:latin typeface="Arial" panose="020B0604020202020204" pitchFamily="34" charset="0"/>
-                <a:ea typeface="MS PGothic" panose="020B0600070205080204" pitchFamily="34" charset="-128"/>
-              </a:defRPr>
-            </a:lvl5pPr>
-            <a:lvl6pPr marL="2514600" indent="-228600" eaLnBrk="0" fontAlgn="base" hangingPunct="0">
-              <a:spcBef>
-                <a:spcPct val="0"/>
-              </a:spcBef>
-              <a:spcAft>
-                <a:spcPct val="0"/>
-              </a:spcAft>
-              <a:defRPr sz="2300">
-                <a:solidFill>
-                  <a:schemeClr val="tx1"/>
-                </a:solidFill>
-                <a:latin typeface="Arial" panose="020B0604020202020204" pitchFamily="34" charset="0"/>
-                <a:ea typeface="MS PGothic" panose="020B0600070205080204" pitchFamily="34" charset="-128"/>
-              </a:defRPr>
-            </a:lvl6pPr>
-            <a:lvl7pPr marL="2971800" indent="-228600" eaLnBrk="0" fontAlgn="base" hangingPunct="0">
-              <a:spcBef>
-                <a:spcPct val="0"/>
-              </a:spcBef>
-              <a:spcAft>
-                <a:spcPct val="0"/>
-              </a:spcAft>
-              <a:defRPr sz="2300">
-                <a:solidFill>
-                  <a:schemeClr val="tx1"/>
-                </a:solidFill>
-                <a:latin typeface="Arial" panose="020B0604020202020204" pitchFamily="34" charset="0"/>
-                <a:ea typeface="MS PGothic" panose="020B0600070205080204" pitchFamily="34" charset="-128"/>
-              </a:defRPr>
-            </a:lvl7pPr>
-            <a:lvl8pPr marL="3429000" indent="-228600" eaLnBrk="0" fontAlgn="base" hangingPunct="0">
-              <a:spcBef>
-                <a:spcPct val="0"/>
-              </a:spcBef>
-              <a:spcAft>
-                <a:spcPct val="0"/>
-              </a:spcAft>
-              <a:defRPr sz="2300">
-                <a:solidFill>
-                  <a:schemeClr val="tx1"/>
-                </a:solidFill>
-                <a:latin typeface="Arial" panose="020B0604020202020204" pitchFamily="34" charset="0"/>
-                <a:ea typeface="MS PGothic" panose="020B0600070205080204" pitchFamily="34" charset="-128"/>
-              </a:defRPr>
-            </a:lvl8pPr>
-            <a:lvl9pPr marL="3886200" indent="-228600" eaLnBrk="0" fontAlgn="base" hangingPunct="0">
-              <a:spcBef>
-                <a:spcPct val="0"/>
-              </a:spcBef>
-              <a:spcAft>
-                <a:spcPct val="0"/>
-              </a:spcAft>
-              <a:defRPr sz="2300">
-                <a:solidFill>
-                  <a:schemeClr val="tx1"/>
-                </a:solidFill>
-                <a:latin typeface="Arial" panose="020B0604020202020204" pitchFamily="34" charset="0"/>
-                <a:ea typeface="MS PGothic" panose="020B0600070205080204" pitchFamily="34" charset="-128"/>
-              </a:defRPr>
-            </a:lvl9pPr>
-          </a:lstStyle>
-          <a:p>
-            <a:pPr eaLnBrk="1" hangingPunct="1">
-              <a:lnSpc>
-                <a:spcPts val="3400"/>
-              </a:lnSpc>
-            </a:pPr>
-            <a:r>
-              <a:rPr lang="en-GB" altLang="en-US" sz="2400" b="1" dirty="0">
-                <a:latin typeface="Calibri" panose="020F0502020204030204" pitchFamily="34" charset="0"/>
-                <a:ea typeface="Ebrima" panose="02000000000000000000" pitchFamily="2" charset="0"/>
-                <a:cs typeface="Ebrima" panose="02000000000000000000" pitchFamily="2" charset="0"/>
-              </a:rPr>
-              <a:t>Fig. 1  </a:t>
-            </a:r>
-            <a:r>
-              <a:rPr lang="en-GB" altLang="en-US" sz="2400" dirty="0">
-                <a:latin typeface="Calibri" panose="020F0502020204030204" pitchFamily="34" charset="0"/>
-                <a:ea typeface="Ebrima" panose="02000000000000000000" pitchFamily="2" charset="0"/>
-                <a:cs typeface="Ebrima" panose="02000000000000000000" pitchFamily="2" charset="0"/>
-              </a:rPr>
-              <a:t>Caption here. White Rectangle. Anonymous.  Oil, canvas. </a:t>
-            </a:r>
-          </a:p>
-        </p:txBody>
-      </p:sp>
-      <p:sp>
-        <p:nvSpPr>
-          <p:cNvPr id="14346" name="Rectangle 4"/>
-          <p:cNvSpPr>
-            <a:spLocks noChangeArrowheads="1"/>
-          </p:cNvSpPr>
-          <p:nvPr/>
-        </p:nvSpPr>
-        <p:spPr bwMode="auto">
-          <a:xfrm>
-            <a:off x="738189" y="31064200"/>
-            <a:ext cx="14020799" cy="5683607"/>
-          </a:xfrm>
-          <a:prstGeom prst="rect">
-            <a:avLst/>
-          </a:prstGeom>
-          <a:noFill/>
-          <a:ln>
-            <a:noFill/>
-          </a:ln>
-          <a:extLst>
-            <a:ext uri="{909E8E84-426E-40DD-AFC4-6F175D3DCCD1}">
-              <a14:hiddenFill xmlns:a14="http://schemas.microsoft.com/office/drawing/2010/main">
-                <a:solidFill>
-                  <a:srgbClr val="FFFFFF"/>
-                </a:solidFill>
-              </a14:hiddenFill>
-            </a:ext>
-            <a:ext uri="{91240B29-F687-4F45-9708-019B960494DF}">
-              <a14:hiddenLine xmlns:a14="http://schemas.microsoft.com/office/drawing/2010/main" w="9525">
-                <a:solidFill>
-                  <a:srgbClr val="000000"/>
-                </a:solidFill>
-                <a:miter lim="800000"/>
-                <a:headEnd/>
-                <a:tailEnd/>
-              </a14:hiddenLine>
-            </a:ext>
-          </a:extLst>
-        </p:spPr>
-        <p:txBody>
-          <a:bodyPr wrap="square">
-            <a:spAutoFit/>
-          </a:bodyPr>
-          <a:lstStyle>
-            <a:lvl1pPr>
-              <a:defRPr sz="2300">
-                <a:solidFill>
-                  <a:schemeClr val="tx1"/>
-                </a:solidFill>
-                <a:latin typeface="Arial" panose="020B0604020202020204" pitchFamily="34" charset="0"/>
-                <a:ea typeface="MS PGothic" panose="020B0600070205080204" pitchFamily="34" charset="-128"/>
-              </a:defRPr>
-            </a:lvl1pPr>
-            <a:lvl2pPr marL="742950" indent="-285750">
-              <a:defRPr sz="2300">
-                <a:solidFill>
-                  <a:schemeClr val="tx1"/>
-                </a:solidFill>
-                <a:latin typeface="Arial" panose="020B0604020202020204" pitchFamily="34" charset="0"/>
-                <a:ea typeface="MS PGothic" panose="020B0600070205080204" pitchFamily="34" charset="-128"/>
-              </a:defRPr>
-            </a:lvl2pPr>
-            <a:lvl3pPr marL="1143000" indent="-228600">
-              <a:defRPr sz="2300">
-                <a:solidFill>
-                  <a:schemeClr val="tx1"/>
-                </a:solidFill>
-                <a:latin typeface="Arial" panose="020B0604020202020204" pitchFamily="34" charset="0"/>
-                <a:ea typeface="MS PGothic" panose="020B0600070205080204" pitchFamily="34" charset="-128"/>
-              </a:defRPr>
-            </a:lvl3pPr>
-            <a:lvl4pPr marL="1600200" indent="-228600">
-              <a:defRPr sz="2300">
-                <a:solidFill>
-                  <a:schemeClr val="tx1"/>
-                </a:solidFill>
-                <a:latin typeface="Arial" panose="020B0604020202020204" pitchFamily="34" charset="0"/>
-                <a:ea typeface="MS PGothic" panose="020B0600070205080204" pitchFamily="34" charset="-128"/>
-              </a:defRPr>
-            </a:lvl4pPr>
-            <a:lvl5pPr marL="2057400" indent="-228600">
-              <a:defRPr sz="2300">
-                <a:solidFill>
-                  <a:schemeClr val="tx1"/>
-                </a:solidFill>
-                <a:latin typeface="Arial" panose="020B0604020202020204" pitchFamily="34" charset="0"/>
-                <a:ea typeface="MS PGothic" panose="020B0600070205080204" pitchFamily="34" charset="-128"/>
-              </a:defRPr>
-            </a:lvl5pPr>
-            <a:lvl6pPr marL="2514600" indent="-228600" eaLnBrk="0" fontAlgn="base" hangingPunct="0">
-              <a:spcBef>
-                <a:spcPct val="0"/>
-              </a:spcBef>
-              <a:spcAft>
-                <a:spcPct val="0"/>
-              </a:spcAft>
-              <a:defRPr sz="2300">
-                <a:solidFill>
-                  <a:schemeClr val="tx1"/>
-                </a:solidFill>
-                <a:latin typeface="Arial" panose="020B0604020202020204" pitchFamily="34" charset="0"/>
-                <a:ea typeface="MS PGothic" panose="020B0600070205080204" pitchFamily="34" charset="-128"/>
-              </a:defRPr>
-            </a:lvl6pPr>
-            <a:lvl7pPr marL="2971800" indent="-228600" eaLnBrk="0" fontAlgn="base" hangingPunct="0">
-              <a:spcBef>
-                <a:spcPct val="0"/>
-              </a:spcBef>
-              <a:spcAft>
-                <a:spcPct val="0"/>
-              </a:spcAft>
-              <a:defRPr sz="2300">
-                <a:solidFill>
-                  <a:schemeClr val="tx1"/>
-                </a:solidFill>
-                <a:latin typeface="Arial" panose="020B0604020202020204" pitchFamily="34" charset="0"/>
-                <a:ea typeface="MS PGothic" panose="020B0600070205080204" pitchFamily="34" charset="-128"/>
-              </a:defRPr>
-            </a:lvl7pPr>
-            <a:lvl8pPr marL="3429000" indent="-228600" eaLnBrk="0" fontAlgn="base" hangingPunct="0">
-              <a:spcBef>
-                <a:spcPct val="0"/>
-              </a:spcBef>
-              <a:spcAft>
-                <a:spcPct val="0"/>
-              </a:spcAft>
-              <a:defRPr sz="2300">
-                <a:solidFill>
-                  <a:schemeClr val="tx1"/>
-                </a:solidFill>
-                <a:latin typeface="Arial" panose="020B0604020202020204" pitchFamily="34" charset="0"/>
-                <a:ea typeface="MS PGothic" panose="020B0600070205080204" pitchFamily="34" charset="-128"/>
-              </a:defRPr>
-            </a:lvl8pPr>
-            <a:lvl9pPr marL="3886200" indent="-228600" eaLnBrk="0" fontAlgn="base" hangingPunct="0">
-              <a:spcBef>
-                <a:spcPct val="0"/>
-              </a:spcBef>
-              <a:spcAft>
-                <a:spcPct val="0"/>
-              </a:spcAft>
-              <a:defRPr sz="2300">
-                <a:solidFill>
-                  <a:schemeClr val="tx1"/>
-                </a:solidFill>
-                <a:latin typeface="Arial" panose="020B0604020202020204" pitchFamily="34" charset="0"/>
-                <a:ea typeface="MS PGothic" panose="020B0600070205080204" pitchFamily="34" charset="-128"/>
-              </a:defRPr>
-            </a:lvl9pPr>
-          </a:lstStyle>
-          <a:p>
-            <a:pPr eaLnBrk="1" hangingPunct="1">
-              <a:lnSpc>
-                <a:spcPts val="5000"/>
-              </a:lnSpc>
-              <a:spcBef>
-                <a:spcPts val="1800"/>
-              </a:spcBef>
-            </a:pPr>
-            <a:r>
-              <a:rPr lang="en-US" altLang="en-US" sz="3600" dirty="0">
-                <a:latin typeface="Calibri" panose="020F0502020204030204" pitchFamily="34" charset="0"/>
-                <a:ea typeface="Ebrima" panose="02000000000000000000" pitchFamily="2" charset="0"/>
-                <a:cs typeface="Ebrima" panose="02000000000000000000" pitchFamily="2" charset="0"/>
-              </a:rPr>
-              <a:t>Images such as photographs, graphs, diagrams, logos, </a:t>
-            </a:r>
-            <a:r>
-              <a:rPr lang="en-US" altLang="en-US" sz="3600" dirty="0" err="1">
-                <a:latin typeface="Calibri" panose="020F0502020204030204" pitchFamily="34" charset="0"/>
-                <a:ea typeface="Ebrima" panose="02000000000000000000" pitchFamily="2" charset="0"/>
-                <a:cs typeface="Ebrima" panose="02000000000000000000" pitchFamily="2" charset="0"/>
-              </a:rPr>
-              <a:t>etc</a:t>
-            </a:r>
-            <a:r>
-              <a:rPr lang="en-US" altLang="en-US" sz="3600" dirty="0">
-                <a:latin typeface="Calibri" panose="020F0502020204030204" pitchFamily="34" charset="0"/>
-                <a:ea typeface="Ebrima" panose="02000000000000000000" pitchFamily="2" charset="0"/>
-                <a:cs typeface="Ebrima" panose="02000000000000000000" pitchFamily="2" charset="0"/>
-              </a:rPr>
-              <a:t>, can be added to the poster. The best type of image files to insert are JPEG or TIFF, JPEG is the preferred format.</a:t>
-            </a:r>
-          </a:p>
-          <a:p>
-            <a:pPr eaLnBrk="1" hangingPunct="1">
-              <a:lnSpc>
-                <a:spcPts val="5000"/>
-              </a:lnSpc>
-              <a:spcBef>
-                <a:spcPts val="1800"/>
-              </a:spcBef>
-            </a:pPr>
-            <a:r>
-              <a:rPr lang="en-US" altLang="en-US" sz="3600" dirty="0">
-                <a:latin typeface="Calibri" panose="020F0502020204030204" pitchFamily="34" charset="0"/>
-                <a:ea typeface="Ebrima" panose="02000000000000000000" pitchFamily="2" charset="0"/>
-                <a:cs typeface="Ebrima" panose="02000000000000000000" pitchFamily="2" charset="0"/>
-              </a:rPr>
-              <a:t>Be aware of the image size you are importing. The average color photo (13 x 18cm at 180dpi) would be about 3Mb (1Mb for B/W greyscale) to look good printed. Avoid using  images optimized for the web. </a:t>
-            </a:r>
-          </a:p>
-          <a:p>
-            <a:pPr eaLnBrk="1" hangingPunct="1">
-              <a:lnSpc>
-                <a:spcPts val="5000"/>
-              </a:lnSpc>
-              <a:spcBef>
-                <a:spcPts val="1800"/>
-              </a:spcBef>
-            </a:pPr>
-            <a:r>
-              <a:rPr lang="en-US" altLang="en-US" sz="3600" dirty="0">
-                <a:latin typeface="Calibri" panose="020F0502020204030204" pitchFamily="34" charset="0"/>
-                <a:ea typeface="Ebrima" panose="02000000000000000000" pitchFamily="2" charset="0"/>
-                <a:cs typeface="Ebrima" panose="02000000000000000000" pitchFamily="2" charset="0"/>
-              </a:rPr>
-              <a:t>Watch out for scientific symbols used in imported charts, which PowerPoint will not recognize.</a:t>
-            </a:r>
-          </a:p>
-        </p:txBody>
-      </p:sp>
       <p:grpSp>
         <p:nvGrpSpPr>
-          <p:cNvPr id="14378" name="Group 2"/>
-          <p:cNvGrpSpPr>
-            <a:grpSpLocks/>
-          </p:cNvGrpSpPr>
+          <p:cNvPr id="7" name="Group 6">
+            <a:extLst>
+              <a:ext uri="{FF2B5EF4-FFF2-40B4-BE49-F238E27FC236}">
+                <a16:creationId xmlns:a16="http://schemas.microsoft.com/office/drawing/2014/main" id="{2E2A573A-3A0D-4A57-82E5-1B20F0A0387F}"/>
+              </a:ext>
+            </a:extLst>
+          </p:cNvPr>
+          <p:cNvGrpSpPr/>
           <p:nvPr/>
         </p:nvGrpSpPr>
-        <p:grpSpPr bwMode="auto">
+        <p:grpSpPr>
           <a:xfrm>
-            <a:off x="750094" y="29759275"/>
-            <a:ext cx="14008894" cy="1126022"/>
-            <a:chOff x="750094" y="29758748"/>
-            <a:chExt cx="14085094" cy="1126022"/>
+            <a:off x="738189" y="26185009"/>
+            <a:ext cx="14020799" cy="17746477"/>
+            <a:chOff x="738189" y="28013809"/>
+            <a:chExt cx="14020799" cy="17746477"/>
           </a:xfrm>
         </p:grpSpPr>
         <p:sp>
           <p:nvSpPr>
-            <p:cNvPr id="14401" name="Rectangle 245"/>
+            <p:cNvPr id="14346" name="Rectangle 4"/>
             <p:cNvSpPr>
               <a:spLocks noChangeArrowheads="1"/>
             </p:cNvSpPr>
@@ -6753,8 +6143,8 @@
           </p:nvSpPr>
           <p:spPr bwMode="auto">
             <a:xfrm>
-              <a:off x="750094" y="29776774"/>
-              <a:ext cx="12604958" cy="1107996"/>
+              <a:off x="738189" y="29318734"/>
+              <a:ext cx="14020799" cy="16441552"/>
             </a:xfrm>
             <a:prstGeom prst="rect">
               <a:avLst/>
@@ -6895,62 +6285,459 @@
               </a:lvl9pPr>
             </a:lstStyle>
             <a:p>
+              <a:pPr marL="742950" indent="-742950" eaLnBrk="1" hangingPunct="1">
+                <a:lnSpc>
+                  <a:spcPts val="5000"/>
+                </a:lnSpc>
+                <a:spcBef>
+                  <a:spcPts val="1800"/>
+                </a:spcBef>
+                <a:buFont typeface="+mj-lt"/>
+                <a:buAutoNum type="arabicPeriod"/>
+              </a:pPr>
               <a:r>
-                <a:rPr lang="en-GB" altLang="en-US" sz="6600" b="1" dirty="0">
+                <a:rPr lang="en-US" altLang="en-US" sz="2800" dirty="0">
+                  <a:latin typeface="Calibri" panose="020F0502020204030204" pitchFamily="34" charset="0"/>
+                  <a:ea typeface="Ebrima" panose="02000000000000000000" pitchFamily="2" charset="0"/>
+                  <a:cs typeface="Ebrima" panose="02000000000000000000" pitchFamily="2" charset="0"/>
+                </a:rPr>
+                <a:t>Generation</a:t>
+              </a:r>
+            </a:p>
+            <a:p>
+              <a:pPr marL="1600200" lvl="1" indent="-857250" eaLnBrk="1" hangingPunct="1">
+                <a:lnSpc>
+                  <a:spcPts val="5000"/>
+                </a:lnSpc>
+                <a:spcBef>
+                  <a:spcPts val="1800"/>
+                </a:spcBef>
+                <a:buFont typeface="+mj-lt"/>
+                <a:buAutoNum type="romanUcPeriod"/>
+              </a:pPr>
+              <a:r>
+                <a:rPr lang="en-US" altLang="en-US" sz="2800" dirty="0">
+                  <a:latin typeface="Calibri" panose="020F0502020204030204" pitchFamily="34" charset="0"/>
+                  <a:ea typeface="Ebrima" panose="02000000000000000000" pitchFamily="2" charset="0"/>
+                  <a:cs typeface="Ebrima" panose="02000000000000000000" pitchFamily="2" charset="0"/>
+                </a:rPr>
+                <a:t>Constructed classical music archive of MIDI files.</a:t>
+              </a:r>
+            </a:p>
+            <a:p>
+              <a:pPr marL="1600200" lvl="1" indent="-857250" eaLnBrk="1" hangingPunct="1">
+                <a:lnSpc>
+                  <a:spcPts val="5000"/>
+                </a:lnSpc>
+                <a:spcBef>
+                  <a:spcPts val="1800"/>
+                </a:spcBef>
+                <a:buFont typeface="+mj-lt"/>
+                <a:buAutoNum type="romanUcPeriod"/>
+              </a:pPr>
+              <a:r>
+                <a:rPr lang="en-US" altLang="en-US" sz="2800" dirty="0">
+                  <a:latin typeface="Calibri" panose="020F0502020204030204" pitchFamily="34" charset="0"/>
+                  <a:ea typeface="Ebrima" panose="02000000000000000000" pitchFamily="2" charset="0"/>
+                  <a:cs typeface="Ebrima" panose="02000000000000000000" pitchFamily="2" charset="0"/>
+                </a:rPr>
+                <a:t>Preprocessed Music (MIDI) to tensors where the dimensions of the tensors are represented by number of tracks, number of timesteps in a beat, and number of bars we are generating.</a:t>
+              </a:r>
+            </a:p>
+            <a:p>
+              <a:pPr marL="1600200" lvl="1" indent="-857250" eaLnBrk="1" hangingPunct="1">
+                <a:lnSpc>
+                  <a:spcPts val="5000"/>
+                </a:lnSpc>
+                <a:spcBef>
+                  <a:spcPts val="1800"/>
+                </a:spcBef>
+                <a:buFont typeface="+mj-lt"/>
+                <a:buAutoNum type="romanUcPeriod"/>
+              </a:pPr>
+              <a:r>
+                <a:rPr lang="en-US" altLang="en-US" sz="2800" dirty="0">
+                  <a:latin typeface="Calibri" panose="020F0502020204030204" pitchFamily="34" charset="0"/>
+                  <a:ea typeface="Ebrima" panose="02000000000000000000" pitchFamily="2" charset="0"/>
+                  <a:cs typeface="Ebrima" panose="02000000000000000000" pitchFamily="2" charset="0"/>
+                </a:rPr>
+                <a:t>Instead of the original author’s approach to define the resolution of music by the number of timesteps in a beat where the size of each timestep was dependent on the ratio of timesteps per beat, we fixed size of timesteps and format of each bar to enhance the musical flow by “tricking” the generator.</a:t>
+              </a:r>
+            </a:p>
+            <a:p>
+              <a:pPr marL="742950" indent="-742950" eaLnBrk="1" hangingPunct="1">
+                <a:lnSpc>
+                  <a:spcPts val="5000"/>
+                </a:lnSpc>
+                <a:spcBef>
+                  <a:spcPts val="1800"/>
+                </a:spcBef>
+                <a:buFont typeface="+mj-lt"/>
+                <a:buAutoNum type="arabicPeriod"/>
+              </a:pPr>
+              <a:r>
+                <a:rPr lang="en-US" altLang="en-US" sz="2800" dirty="0">
+                  <a:latin typeface="Calibri" panose="020F0502020204030204" pitchFamily="34" charset="0"/>
+                  <a:ea typeface="Ebrima" panose="02000000000000000000" pitchFamily="2" charset="0"/>
+                  <a:cs typeface="Ebrima" panose="02000000000000000000" pitchFamily="2" charset="0"/>
+                </a:rPr>
+                <a:t>Evaluation</a:t>
+              </a:r>
+            </a:p>
+            <a:p>
+              <a:pPr marL="1600200" lvl="1" indent="-857250" eaLnBrk="1" hangingPunct="1">
+                <a:lnSpc>
+                  <a:spcPts val="5000"/>
+                </a:lnSpc>
+                <a:spcBef>
+                  <a:spcPts val="1800"/>
+                </a:spcBef>
+                <a:buFont typeface="+mj-lt"/>
+                <a:buAutoNum type="romanUcPeriod"/>
+              </a:pPr>
+              <a:r>
+                <a:rPr lang="en-US" altLang="en-US" sz="2800" dirty="0">
+                  <a:latin typeface="Calibri" panose="020F0502020204030204" pitchFamily="34" charset="0"/>
+                  <a:ea typeface="Ebrima" panose="02000000000000000000" pitchFamily="2" charset="0"/>
+                  <a:cs typeface="Ebrima" panose="02000000000000000000" pitchFamily="2" charset="0"/>
+                </a:rPr>
+                <a:t>Trained classifiers with real music pieces from classical composers by taking n-grams of chord sequences then using </a:t>
+              </a:r>
+              <a:r>
+                <a:rPr lang="en-US" altLang="en-US" sz="2800" dirty="0" err="1">
+                  <a:latin typeface="Calibri" panose="020F0502020204030204" pitchFamily="34" charset="0"/>
+                  <a:ea typeface="Ebrima" panose="02000000000000000000" pitchFamily="2" charset="0"/>
+                  <a:cs typeface="Ebrima" panose="02000000000000000000" pitchFamily="2" charset="0"/>
+                </a:rPr>
+                <a:t>tf-idf</a:t>
+              </a:r>
+              <a:r>
+                <a:rPr lang="en-US" altLang="en-US" sz="2800" dirty="0">
+                  <a:latin typeface="Calibri" panose="020F0502020204030204" pitchFamily="34" charset="0"/>
+                  <a:ea typeface="Ebrima" panose="02000000000000000000" pitchFamily="2" charset="0"/>
+                  <a:cs typeface="Ebrima" panose="02000000000000000000" pitchFamily="2" charset="0"/>
+                </a:rPr>
+                <a:t> vectorizer to assess whether the generated samples replicates the style of the original composer.</a:t>
+              </a:r>
+            </a:p>
+            <a:p>
+              <a:pPr marL="1600200" lvl="1" indent="-857250" eaLnBrk="1" hangingPunct="1">
+                <a:lnSpc>
+                  <a:spcPts val="5000"/>
+                </a:lnSpc>
+                <a:spcBef>
+                  <a:spcPts val="1800"/>
+                </a:spcBef>
+                <a:buFont typeface="+mj-lt"/>
+                <a:buAutoNum type="romanUcPeriod"/>
+              </a:pPr>
+              <a:r>
+                <a:rPr lang="en-US" altLang="en-US" sz="2800" dirty="0">
+                  <a:latin typeface="Calibri" panose="020F0502020204030204" pitchFamily="34" charset="0"/>
+                  <a:ea typeface="Ebrima" panose="02000000000000000000" pitchFamily="2" charset="0"/>
+                  <a:cs typeface="Ebrima" panose="02000000000000000000" pitchFamily="2" charset="0"/>
+                </a:rPr>
+                <a:t>Designed a LSTM-RNN classifier based on the duration of notes and the distribution of notes using n-hot encoding as an enhanced approach to tackle multi-composer classifications.</a:t>
+              </a:r>
+            </a:p>
+            <a:p>
+              <a:pPr marL="1600200" lvl="1" indent="-857250" eaLnBrk="1" hangingPunct="1">
+                <a:lnSpc>
+                  <a:spcPts val="5000"/>
+                </a:lnSpc>
+                <a:spcBef>
+                  <a:spcPts val="1800"/>
+                </a:spcBef>
+                <a:buFont typeface="+mj-lt"/>
+                <a:buAutoNum type="romanUcPeriod"/>
+              </a:pPr>
+              <a:r>
+                <a:rPr lang="en-US" altLang="en-US" sz="2800" dirty="0">
+                  <a:latin typeface="Calibri" panose="020F0502020204030204" pitchFamily="34" charset="0"/>
+                  <a:ea typeface="Ebrima" panose="02000000000000000000" pitchFamily="2" charset="0"/>
+                  <a:cs typeface="Ebrima" panose="02000000000000000000" pitchFamily="2" charset="0"/>
+                </a:rPr>
+                <a:t>Aimed to create a music-version of Inception Score, a scoring metric based on KL-Divergence to evaluate the quality of the generated samples and the performance of the model.</a:t>
+              </a:r>
+            </a:p>
+            <a:p>
+              <a:pPr marL="1600200" lvl="1" indent="-857250" eaLnBrk="1" hangingPunct="1">
+                <a:lnSpc>
+                  <a:spcPts val="5000"/>
+                </a:lnSpc>
+                <a:spcBef>
+                  <a:spcPts val="1800"/>
+                </a:spcBef>
+                <a:buFont typeface="+mj-lt"/>
+                <a:buAutoNum type="romanUcPeriod"/>
+              </a:pPr>
+              <a:endParaRPr lang="en-US" altLang="en-US" sz="2800" dirty="0">
+                <a:latin typeface="Calibri" panose="020F0502020204030204" pitchFamily="34" charset="0"/>
+                <a:ea typeface="Ebrima" panose="02000000000000000000" pitchFamily="2" charset="0"/>
+                <a:cs typeface="Ebrima" panose="02000000000000000000" pitchFamily="2" charset="0"/>
+              </a:endParaRPr>
+            </a:p>
+            <a:p>
+              <a:pPr marL="1600200" lvl="1" indent="-857250" eaLnBrk="1" hangingPunct="1">
+                <a:lnSpc>
+                  <a:spcPts val="5000"/>
+                </a:lnSpc>
+                <a:spcBef>
+                  <a:spcPts val="1800"/>
+                </a:spcBef>
+                <a:buFont typeface="+mj-lt"/>
+                <a:buAutoNum type="romanUcPeriod"/>
+              </a:pPr>
+              <a:endParaRPr lang="en-US" altLang="en-US" sz="2800" dirty="0">
+                <a:latin typeface="Calibri" panose="020F0502020204030204" pitchFamily="34" charset="0"/>
+                <a:ea typeface="Ebrima" panose="02000000000000000000" pitchFamily="2" charset="0"/>
+                <a:cs typeface="Ebrima" panose="02000000000000000000" pitchFamily="2" charset="0"/>
+              </a:endParaRPr>
+            </a:p>
+            <a:p>
+              <a:pPr marL="1600200" lvl="1" indent="-857250" eaLnBrk="1" hangingPunct="1">
+                <a:lnSpc>
+                  <a:spcPts val="5000"/>
+                </a:lnSpc>
+                <a:spcBef>
+                  <a:spcPts val="1800"/>
+                </a:spcBef>
+                <a:buFont typeface="+mj-lt"/>
+                <a:buAutoNum type="romanUcPeriod"/>
+              </a:pPr>
+              <a:endParaRPr lang="en-US" altLang="en-US" sz="2800" dirty="0">
+                <a:latin typeface="Calibri" panose="020F0502020204030204" pitchFamily="34" charset="0"/>
+                <a:ea typeface="Ebrima" panose="02000000000000000000" pitchFamily="2" charset="0"/>
+                <a:cs typeface="Ebrima" panose="02000000000000000000" pitchFamily="2" charset="0"/>
+              </a:endParaRPr>
+            </a:p>
+          </p:txBody>
+        </p:sp>
+        <p:grpSp>
+          <p:nvGrpSpPr>
+            <p:cNvPr id="14378" name="Group 2"/>
+            <p:cNvGrpSpPr>
+              <a:grpSpLocks/>
+            </p:cNvGrpSpPr>
+            <p:nvPr/>
+          </p:nvGrpSpPr>
+          <p:grpSpPr bwMode="auto">
+            <a:xfrm>
+              <a:off x="750094" y="28013809"/>
+              <a:ext cx="14008894" cy="1126022"/>
+              <a:chOff x="750094" y="29758748"/>
+              <a:chExt cx="14085094" cy="1126022"/>
+            </a:xfrm>
+          </p:grpSpPr>
+          <p:sp>
+            <p:nvSpPr>
+              <p:cNvPr id="14401" name="Rectangle 245"/>
+              <p:cNvSpPr>
+                <a:spLocks noChangeArrowheads="1"/>
+              </p:cNvSpPr>
+              <p:nvPr/>
+            </p:nvSpPr>
+            <p:spPr bwMode="auto">
+              <a:xfrm>
+                <a:off x="750094" y="29776774"/>
+                <a:ext cx="12604958" cy="1107996"/>
+              </a:xfrm>
+              <a:prstGeom prst="rect">
+                <a:avLst/>
+              </a:prstGeom>
+              <a:noFill/>
+              <a:ln>
+                <a:noFill/>
+              </a:ln>
+              <a:extLst>
+                <a:ext uri="{909E8E84-426E-40DD-AFC4-6F175D3DCCD1}">
+                  <a14:hiddenFill xmlns:a14="http://schemas.microsoft.com/office/drawing/2010/main">
+                    <a:solidFill>
+                      <a:srgbClr val="FFFFFF"/>
+                    </a:solidFill>
+                  </a14:hiddenFill>
+                </a:ext>
+                <a:ext uri="{91240B29-F687-4F45-9708-019B960494DF}">
+                  <a14:hiddenLine xmlns:a14="http://schemas.microsoft.com/office/drawing/2010/main" w="9525">
+                    <a:solidFill>
+                      <a:srgbClr val="000000"/>
+                    </a:solidFill>
+                    <a:miter lim="800000"/>
+                    <a:headEnd/>
+                    <a:tailEnd/>
+                  </a14:hiddenLine>
+                </a:ext>
+              </a:extLst>
+            </p:spPr>
+            <p:txBody>
+              <a:bodyPr wrap="square">
+                <a:spAutoFit/>
+              </a:bodyPr>
+              <a:lstStyle>
+                <a:lvl1pPr>
+                  <a:defRPr sz="2300">
+                    <a:solidFill>
+                      <a:schemeClr val="tx1"/>
+                    </a:solidFill>
+                    <a:latin typeface="Arial" panose="020B0604020202020204" pitchFamily="34" charset="0"/>
+                    <a:ea typeface="MS PGothic" panose="020B0600070205080204" pitchFamily="34" charset="-128"/>
+                  </a:defRPr>
+                </a:lvl1pPr>
+                <a:lvl2pPr marL="742950" indent="-285750">
+                  <a:defRPr sz="2300">
+                    <a:solidFill>
+                      <a:schemeClr val="tx1"/>
+                    </a:solidFill>
+                    <a:latin typeface="Arial" panose="020B0604020202020204" pitchFamily="34" charset="0"/>
+                    <a:ea typeface="MS PGothic" panose="020B0600070205080204" pitchFamily="34" charset="-128"/>
+                  </a:defRPr>
+                </a:lvl2pPr>
+                <a:lvl3pPr marL="1143000" indent="-228600">
+                  <a:defRPr sz="2300">
+                    <a:solidFill>
+                      <a:schemeClr val="tx1"/>
+                    </a:solidFill>
+                    <a:latin typeface="Arial" panose="020B0604020202020204" pitchFamily="34" charset="0"/>
+                    <a:ea typeface="MS PGothic" panose="020B0600070205080204" pitchFamily="34" charset="-128"/>
+                  </a:defRPr>
+                </a:lvl3pPr>
+                <a:lvl4pPr marL="1600200" indent="-228600">
+                  <a:defRPr sz="2300">
+                    <a:solidFill>
+                      <a:schemeClr val="tx1"/>
+                    </a:solidFill>
+                    <a:latin typeface="Arial" panose="020B0604020202020204" pitchFamily="34" charset="0"/>
+                    <a:ea typeface="MS PGothic" panose="020B0600070205080204" pitchFamily="34" charset="-128"/>
+                  </a:defRPr>
+                </a:lvl4pPr>
+                <a:lvl5pPr marL="2057400" indent="-228600">
+                  <a:defRPr sz="2300">
+                    <a:solidFill>
+                      <a:schemeClr val="tx1"/>
+                    </a:solidFill>
+                    <a:latin typeface="Arial" panose="020B0604020202020204" pitchFamily="34" charset="0"/>
+                    <a:ea typeface="MS PGothic" panose="020B0600070205080204" pitchFamily="34" charset="-128"/>
+                  </a:defRPr>
+                </a:lvl5pPr>
+                <a:lvl6pPr marL="2514600" indent="-228600" eaLnBrk="0" fontAlgn="base" hangingPunct="0">
+                  <a:spcBef>
+                    <a:spcPct val="0"/>
+                  </a:spcBef>
+                  <a:spcAft>
+                    <a:spcPct val="0"/>
+                  </a:spcAft>
+                  <a:defRPr sz="2300">
+                    <a:solidFill>
+                      <a:schemeClr val="tx1"/>
+                    </a:solidFill>
+                    <a:latin typeface="Arial" panose="020B0604020202020204" pitchFamily="34" charset="0"/>
+                    <a:ea typeface="MS PGothic" panose="020B0600070205080204" pitchFamily="34" charset="-128"/>
+                  </a:defRPr>
+                </a:lvl6pPr>
+                <a:lvl7pPr marL="2971800" indent="-228600" eaLnBrk="0" fontAlgn="base" hangingPunct="0">
+                  <a:spcBef>
+                    <a:spcPct val="0"/>
+                  </a:spcBef>
+                  <a:spcAft>
+                    <a:spcPct val="0"/>
+                  </a:spcAft>
+                  <a:defRPr sz="2300">
+                    <a:solidFill>
+                      <a:schemeClr val="tx1"/>
+                    </a:solidFill>
+                    <a:latin typeface="Arial" panose="020B0604020202020204" pitchFamily="34" charset="0"/>
+                    <a:ea typeface="MS PGothic" panose="020B0600070205080204" pitchFamily="34" charset="-128"/>
+                  </a:defRPr>
+                </a:lvl7pPr>
+                <a:lvl8pPr marL="3429000" indent="-228600" eaLnBrk="0" fontAlgn="base" hangingPunct="0">
+                  <a:spcBef>
+                    <a:spcPct val="0"/>
+                  </a:spcBef>
+                  <a:spcAft>
+                    <a:spcPct val="0"/>
+                  </a:spcAft>
+                  <a:defRPr sz="2300">
+                    <a:solidFill>
+                      <a:schemeClr val="tx1"/>
+                    </a:solidFill>
+                    <a:latin typeface="Arial" panose="020B0604020202020204" pitchFamily="34" charset="0"/>
+                    <a:ea typeface="MS PGothic" panose="020B0600070205080204" pitchFamily="34" charset="-128"/>
+                  </a:defRPr>
+                </a:lvl8pPr>
+                <a:lvl9pPr marL="3886200" indent="-228600" eaLnBrk="0" fontAlgn="base" hangingPunct="0">
+                  <a:spcBef>
+                    <a:spcPct val="0"/>
+                  </a:spcBef>
+                  <a:spcAft>
+                    <a:spcPct val="0"/>
+                  </a:spcAft>
+                  <a:defRPr sz="2300">
+                    <a:solidFill>
+                      <a:schemeClr val="tx1"/>
+                    </a:solidFill>
+                    <a:latin typeface="Arial" panose="020B0604020202020204" pitchFamily="34" charset="0"/>
+                    <a:ea typeface="MS PGothic" panose="020B0600070205080204" pitchFamily="34" charset="-128"/>
+                  </a:defRPr>
+                </a:lvl9pPr>
+              </a:lstStyle>
+              <a:p>
+                <a:r>
+                  <a:rPr lang="en-GB" altLang="en-US" sz="6600" b="1" dirty="0">
+                    <a:solidFill>
+                      <a:srgbClr val="006684"/>
+                    </a:solidFill>
+                    <a:latin typeface="+mj-lt"/>
+                    <a:ea typeface="Ebrima" panose="02000000000000000000" pitchFamily="2" charset="0"/>
+                    <a:cs typeface="Ebrima" panose="02000000000000000000" pitchFamily="2" charset="0"/>
+                  </a:rPr>
+                  <a:t>Methods/approach</a:t>
+                </a:r>
+                <a:endParaRPr lang="en-US" altLang="en-US" sz="6600" dirty="0">
                   <a:solidFill>
                     <a:srgbClr val="006684"/>
                   </a:solidFill>
                   <a:latin typeface="+mj-lt"/>
                   <a:ea typeface="Ebrima" panose="02000000000000000000" pitchFamily="2" charset="0"/>
                   <a:cs typeface="Ebrima" panose="02000000000000000000" pitchFamily="2" charset="0"/>
-                </a:rPr>
-                <a:t>Methods/approach</a:t>
-              </a:r>
-              <a:endParaRPr lang="en-US" altLang="en-US" sz="6600" dirty="0">
-                <a:solidFill>
-                  <a:srgbClr val="006684"/>
-                </a:solidFill>
-                <a:latin typeface="+mj-lt"/>
-                <a:ea typeface="Ebrima" panose="02000000000000000000" pitchFamily="2" charset="0"/>
-                <a:cs typeface="Ebrima" panose="02000000000000000000" pitchFamily="2" charset="0"/>
-              </a:endParaRPr>
-            </a:p>
-          </p:txBody>
-        </p:sp>
-        <p:cxnSp>
-          <p:nvCxnSpPr>
-            <p:cNvPr id="14402" name="Straight Connector 6"/>
-            <p:cNvCxnSpPr>
-              <a:cxnSpLocks noChangeShapeType="1"/>
-            </p:cNvCxnSpPr>
-            <p:nvPr/>
-          </p:nvCxnSpPr>
-          <p:spPr bwMode="auto">
-            <a:xfrm>
-              <a:off x="750094" y="29758748"/>
-              <a:ext cx="14085094" cy="0"/>
-            </a:xfrm>
-            <a:prstGeom prst="line">
-              <a:avLst/>
-            </a:prstGeom>
-            <a:noFill/>
-            <a:ln w="12700">
-              <a:solidFill>
-                <a:srgbClr val="92D050"/>
-              </a:solidFill>
-              <a:round/>
-              <a:headEnd/>
-              <a:tailEnd/>
-            </a:ln>
-            <a:extLst>
-              <a:ext uri="{909E8E84-426E-40DD-AFC4-6F175D3DCCD1}">
-                <a14:hiddenFill xmlns:a14="http://schemas.microsoft.com/office/drawing/2010/main">
-                  <a:noFill/>
-                </a14:hiddenFill>
-              </a:ext>
-            </a:extLst>
-          </p:spPr>
-        </p:cxnSp>
+                </a:endParaRPr>
+              </a:p>
+            </p:txBody>
+          </p:sp>
+          <p:cxnSp>
+            <p:nvCxnSpPr>
+              <p:cNvPr id="14402" name="Straight Connector 6"/>
+              <p:cNvCxnSpPr>
+                <a:cxnSpLocks noChangeShapeType="1"/>
+              </p:cNvCxnSpPr>
+              <p:nvPr/>
+            </p:nvCxnSpPr>
+            <p:spPr bwMode="auto">
+              <a:xfrm>
+                <a:off x="750094" y="29758748"/>
+                <a:ext cx="14085094" cy="0"/>
+              </a:xfrm>
+              <a:prstGeom prst="line">
+                <a:avLst/>
+              </a:prstGeom>
+              <a:noFill/>
+              <a:ln w="12700">
+                <a:solidFill>
+                  <a:srgbClr val="92D050"/>
+                </a:solidFill>
+                <a:round/>
+                <a:headEnd/>
+                <a:tailEnd/>
+              </a:ln>
+              <a:extLst>
+                <a:ext uri="{909E8E84-426E-40DD-AFC4-6F175D3DCCD1}">
+                  <a14:hiddenFill xmlns:a14="http://schemas.microsoft.com/office/drawing/2010/main">
+                    <a:noFill/>
+                  </a14:hiddenFill>
+                </a:ext>
+              </a:extLst>
+            </p:spPr>
+          </p:cxnSp>
+        </p:grpSp>
       </p:grpSp>
       <p:grpSp>
         <p:nvGrpSpPr>
@@ -6962,9 +6749,9 @@
         </p:nvGrpSpPr>
         <p:grpSpPr bwMode="auto">
           <a:xfrm>
-            <a:off x="15520988" y="27908458"/>
+            <a:off x="15520988" y="28024570"/>
             <a:ext cx="13944600" cy="1107996"/>
-            <a:chOff x="15142746" y="29260800"/>
+            <a:chOff x="15142746" y="29376912"/>
             <a:chExt cx="14025397" cy="1107996"/>
           </a:xfrm>
         </p:grpSpPr>
@@ -6978,7 +6765,7 @@
           </p:nvSpPr>
           <p:spPr bwMode="auto">
             <a:xfrm>
-              <a:off x="15142746" y="29260800"/>
+              <a:off x="15142746" y="29376912"/>
               <a:ext cx="13874750" cy="1107996"/>
             </a:xfrm>
             <a:prstGeom prst="rect">
@@ -7177,231 +6964,6 @@
           </p:spPr>
         </p:cxnSp>
       </p:grpSp>
-      <p:grpSp>
-        <p:nvGrpSpPr>
-          <p:cNvPr id="14380" name="Group 3"/>
-          <p:cNvGrpSpPr>
-            <a:grpSpLocks/>
-          </p:cNvGrpSpPr>
-          <p:nvPr/>
-        </p:nvGrpSpPr>
-        <p:grpSpPr bwMode="auto">
-          <a:xfrm>
-            <a:off x="738188" y="11368088"/>
-            <a:ext cx="14020800" cy="1107996"/>
-            <a:chOff x="738188" y="11367560"/>
-            <a:chExt cx="14097000" cy="1107996"/>
-          </a:xfrm>
-        </p:grpSpPr>
-        <p:sp>
-          <p:nvSpPr>
-            <p:cNvPr id="14397" name="Rectangle 249"/>
-            <p:cNvSpPr>
-              <a:spLocks noChangeArrowheads="1"/>
-            </p:cNvSpPr>
-            <p:nvPr/>
-          </p:nvSpPr>
-          <p:spPr bwMode="auto">
-            <a:xfrm>
-              <a:off x="758490" y="11367560"/>
-              <a:ext cx="11321214" cy="1107996"/>
-            </a:xfrm>
-            <a:prstGeom prst="rect">
-              <a:avLst/>
-            </a:prstGeom>
-            <a:noFill/>
-            <a:ln>
-              <a:noFill/>
-            </a:ln>
-            <a:extLst>
-              <a:ext uri="{909E8E84-426E-40DD-AFC4-6F175D3DCCD1}">
-                <a14:hiddenFill xmlns:a14="http://schemas.microsoft.com/office/drawing/2010/main">
-                  <a:solidFill>
-                    <a:srgbClr val="FFFFFF"/>
-                  </a:solidFill>
-                </a14:hiddenFill>
-              </a:ext>
-              <a:ext uri="{91240B29-F687-4F45-9708-019B960494DF}">
-                <a14:hiddenLine xmlns:a14="http://schemas.microsoft.com/office/drawing/2010/main" w="9525">
-                  <a:solidFill>
-                    <a:srgbClr val="000000"/>
-                  </a:solidFill>
-                  <a:miter lim="800000"/>
-                  <a:headEnd/>
-                  <a:tailEnd/>
-                </a14:hiddenLine>
-              </a:ext>
-            </a:extLst>
-          </p:spPr>
-          <p:txBody>
-            <a:bodyPr wrap="square">
-              <a:spAutoFit/>
-            </a:bodyPr>
-            <a:lstStyle>
-              <a:lvl1pPr>
-                <a:defRPr sz="2300">
-                  <a:solidFill>
-                    <a:schemeClr val="tx1"/>
-                  </a:solidFill>
-                  <a:latin typeface="Arial" panose="020B0604020202020204" pitchFamily="34" charset="0"/>
-                  <a:ea typeface="MS PGothic" panose="020B0600070205080204" pitchFamily="34" charset="-128"/>
-                </a:defRPr>
-              </a:lvl1pPr>
-              <a:lvl2pPr marL="742950" indent="-285750">
-                <a:defRPr sz="2300">
-                  <a:solidFill>
-                    <a:schemeClr val="tx1"/>
-                  </a:solidFill>
-                  <a:latin typeface="Arial" panose="020B0604020202020204" pitchFamily="34" charset="0"/>
-                  <a:ea typeface="MS PGothic" panose="020B0600070205080204" pitchFamily="34" charset="-128"/>
-                </a:defRPr>
-              </a:lvl2pPr>
-              <a:lvl3pPr marL="1143000" indent="-228600">
-                <a:defRPr sz="2300">
-                  <a:solidFill>
-                    <a:schemeClr val="tx1"/>
-                  </a:solidFill>
-                  <a:latin typeface="Arial" panose="020B0604020202020204" pitchFamily="34" charset="0"/>
-                  <a:ea typeface="MS PGothic" panose="020B0600070205080204" pitchFamily="34" charset="-128"/>
-                </a:defRPr>
-              </a:lvl3pPr>
-              <a:lvl4pPr marL="1600200" indent="-228600">
-                <a:defRPr sz="2300">
-                  <a:solidFill>
-                    <a:schemeClr val="tx1"/>
-                  </a:solidFill>
-                  <a:latin typeface="Arial" panose="020B0604020202020204" pitchFamily="34" charset="0"/>
-                  <a:ea typeface="MS PGothic" panose="020B0600070205080204" pitchFamily="34" charset="-128"/>
-                </a:defRPr>
-              </a:lvl4pPr>
-              <a:lvl5pPr marL="2057400" indent="-228600">
-                <a:defRPr sz="2300">
-                  <a:solidFill>
-                    <a:schemeClr val="tx1"/>
-                  </a:solidFill>
-                  <a:latin typeface="Arial" panose="020B0604020202020204" pitchFamily="34" charset="0"/>
-                  <a:ea typeface="MS PGothic" panose="020B0600070205080204" pitchFamily="34" charset="-128"/>
-                </a:defRPr>
-              </a:lvl5pPr>
-              <a:lvl6pPr marL="2514600" indent="-228600" eaLnBrk="0" fontAlgn="base" hangingPunct="0">
-                <a:spcBef>
-                  <a:spcPct val="0"/>
-                </a:spcBef>
-                <a:spcAft>
-                  <a:spcPct val="0"/>
-                </a:spcAft>
-                <a:defRPr sz="2300">
-                  <a:solidFill>
-                    <a:schemeClr val="tx1"/>
-                  </a:solidFill>
-                  <a:latin typeface="Arial" panose="020B0604020202020204" pitchFamily="34" charset="0"/>
-                  <a:ea typeface="MS PGothic" panose="020B0600070205080204" pitchFamily="34" charset="-128"/>
-                </a:defRPr>
-              </a:lvl6pPr>
-              <a:lvl7pPr marL="2971800" indent="-228600" eaLnBrk="0" fontAlgn="base" hangingPunct="0">
-                <a:spcBef>
-                  <a:spcPct val="0"/>
-                </a:spcBef>
-                <a:spcAft>
-                  <a:spcPct val="0"/>
-                </a:spcAft>
-                <a:defRPr sz="2300">
-                  <a:solidFill>
-                    <a:schemeClr val="tx1"/>
-                  </a:solidFill>
-                  <a:latin typeface="Arial" panose="020B0604020202020204" pitchFamily="34" charset="0"/>
-                  <a:ea typeface="MS PGothic" panose="020B0600070205080204" pitchFamily="34" charset="-128"/>
-                </a:defRPr>
-              </a:lvl7pPr>
-              <a:lvl8pPr marL="3429000" indent="-228600" eaLnBrk="0" fontAlgn="base" hangingPunct="0">
-                <a:spcBef>
-                  <a:spcPct val="0"/>
-                </a:spcBef>
-                <a:spcAft>
-                  <a:spcPct val="0"/>
-                </a:spcAft>
-                <a:defRPr sz="2300">
-                  <a:solidFill>
-                    <a:schemeClr val="tx1"/>
-                  </a:solidFill>
-                  <a:latin typeface="Arial" panose="020B0604020202020204" pitchFamily="34" charset="0"/>
-                  <a:ea typeface="MS PGothic" panose="020B0600070205080204" pitchFamily="34" charset="-128"/>
-                </a:defRPr>
-              </a:lvl8pPr>
-              <a:lvl9pPr marL="3886200" indent="-228600" eaLnBrk="0" fontAlgn="base" hangingPunct="0">
-                <a:spcBef>
-                  <a:spcPct val="0"/>
-                </a:spcBef>
-                <a:spcAft>
-                  <a:spcPct val="0"/>
-                </a:spcAft>
-                <a:defRPr sz="2300">
-                  <a:solidFill>
-                    <a:schemeClr val="tx1"/>
-                  </a:solidFill>
-                  <a:latin typeface="Arial" panose="020B0604020202020204" pitchFamily="34" charset="0"/>
-                  <a:ea typeface="MS PGothic" panose="020B0600070205080204" pitchFamily="34" charset="-128"/>
-                </a:defRPr>
-              </a:lvl9pPr>
-            </a:lstStyle>
-            <a:p>
-              <a:r>
-                <a:rPr lang="en-GB" altLang="en-US" sz="6600" b="1" dirty="0">
-                  <a:solidFill>
-                    <a:srgbClr val="006684"/>
-                  </a:solidFill>
-                  <a:latin typeface="+mj-lt"/>
-                  <a:ea typeface="Ebrima" panose="02000000000000000000" pitchFamily="2" charset="0"/>
-                  <a:cs typeface="Ebrima" panose="02000000000000000000" pitchFamily="2" charset="0"/>
-                </a:rPr>
-                <a:t>Problem statement</a:t>
-              </a:r>
-              <a:endParaRPr lang="en-US" altLang="en-US" sz="6600" dirty="0">
-                <a:solidFill>
-                  <a:srgbClr val="006684"/>
-                </a:solidFill>
-                <a:latin typeface="+mj-lt"/>
-                <a:ea typeface="Ebrima" panose="02000000000000000000" pitchFamily="2" charset="0"/>
-                <a:cs typeface="Ebrima" panose="02000000000000000000" pitchFamily="2" charset="0"/>
-              </a:endParaRPr>
-            </a:p>
-          </p:txBody>
-        </p:sp>
-        <p:cxnSp>
-          <p:nvCxnSpPr>
-            <p:cNvPr id="14398" name="Straight Connector 6"/>
-            <p:cNvCxnSpPr>
-              <a:cxnSpLocks noChangeShapeType="1"/>
-            </p:cNvCxnSpPr>
-            <p:nvPr/>
-          </p:nvCxnSpPr>
-          <p:spPr bwMode="auto">
-            <a:xfrm>
-              <a:off x="738188" y="11367560"/>
-              <a:ext cx="14097000" cy="0"/>
-            </a:xfrm>
-            <a:prstGeom prst="line">
-              <a:avLst/>
-            </a:prstGeom>
-            <a:noFill/>
-            <a:ln w="12700">
-              <a:solidFill>
-                <a:srgbClr val="92D050"/>
-              </a:solidFill>
-              <a:round/>
-              <a:headEnd/>
-              <a:tailEnd/>
-            </a:ln>
-            <a:extLst>
-              <a:ext uri="{909E8E84-426E-40DD-AFC4-6F175D3DCCD1}">
-                <a14:hiddenFill xmlns:a14="http://schemas.microsoft.com/office/drawing/2010/main">
-                  <a:noFill/>
-                </a14:hiddenFill>
-              </a:ext>
-            </a:extLst>
-          </p:spPr>
-        </p:cxnSp>
-      </p:grpSp>
       <p:sp>
         <p:nvSpPr>
           <p:cNvPr id="14381" name="Rectangle 8"/>
@@ -7412,7 +6974,7 @@
         </p:nvSpPr>
         <p:spPr bwMode="auto">
           <a:xfrm>
-            <a:off x="738188" y="21227143"/>
+            <a:off x="738188" y="18340611"/>
             <a:ext cx="14020800" cy="6836682"/>
           </a:xfrm>
           <a:prstGeom prst="rect">
@@ -8421,12 +7983,12 @@
               </a:spcBef>
             </a:pPr>
             <a:r>
-              <a:rPr lang="en-US" altLang="en-US" sz="3600" dirty="0">
+              <a:rPr lang="en-US" altLang="en-US" sz="2800" dirty="0">
                 <a:latin typeface="Calibri" panose="020F0502020204030204" pitchFamily="34" charset="0"/>
                 <a:ea typeface="Ebrima" panose="02000000000000000000" pitchFamily="2" charset="0"/>
                 <a:cs typeface="Ebrima" panose="02000000000000000000" pitchFamily="2" charset="0"/>
               </a:rPr>
-              <a:t>Overview/abstract of your project for general audience. Provide background information and motivation of work. In preparing a poster, simplicity is the key. A typical reader may spend only a few minutes looking at the poster, so there should be a minimum of clutter and a maximum of pithy, informative statements and attractive, enlightening graphics. A poster should tell a story. </a:t>
+              <a:t>Deep Music Generation is a deep learning project with two sides. Firstly, to generate polyphonic music using deep learning models that replicate the style of composers such as Bach and Handel with variety.</a:t>
             </a:r>
           </a:p>
           <a:p>
@@ -8438,11 +8000,14 @@
                 <a:spcPts val="1800"/>
               </a:spcBef>
             </a:pPr>
-            <a:endParaRPr lang="en-US" altLang="en-US" sz="3600" dirty="0">
-              <a:latin typeface="Calibri" panose="020F0502020204030204" pitchFamily="34" charset="0"/>
-              <a:ea typeface="Ebrima" panose="02000000000000000000" pitchFamily="2" charset="0"/>
-              <a:cs typeface="Ebrima" panose="02000000000000000000" pitchFamily="2" charset="0"/>
-            </a:endParaRPr>
+            <a:r>
+              <a:rPr lang="en-US" altLang="en-US" sz="2800" dirty="0">
+                <a:latin typeface="Calibri" panose="020F0502020204030204" pitchFamily="34" charset="0"/>
+                <a:ea typeface="Ebrima" panose="02000000000000000000" pitchFamily="2" charset="0"/>
+                <a:cs typeface="Ebrima" panose="02000000000000000000" pitchFamily="2" charset="0"/>
+              </a:rPr>
+              <a:t>Secondly, to create metrics that evaluate the quality of generated samples and the performance of the model.</a:t>
+            </a:r>
           </a:p>
         </p:txBody>
       </p:sp>
@@ -8881,13 +8446,13 @@
           <p:nvPr>
             <p:extLst>
               <p:ext uri="{D42A27DB-BD31-4B8C-83A1-F6EECF244321}">
-                <p14:modId xmlns:p14="http://schemas.microsoft.com/office/powerpoint/2010/main" val="851522455"/>
+                <p14:modId xmlns:p14="http://schemas.microsoft.com/office/powerpoint/2010/main" val="1593542907"/>
               </p:ext>
             </p:extLst>
           </p:nvPr>
         </p:nvGraphicFramePr>
         <p:xfrm>
-          <a:off x="15520988" y="10364393"/>
+          <a:off x="15520988" y="10177620"/>
           <a:ext cx="13944600" cy="6884208"/>
         </p:xfrm>
         <a:graphic>
@@ -8906,8 +8471,8 @@
         </p:nvSpPr>
         <p:spPr bwMode="auto">
           <a:xfrm>
-            <a:off x="15520988" y="17536678"/>
-            <a:ext cx="10060488" cy="528350"/>
+            <a:off x="15520988" y="17349905"/>
+            <a:ext cx="11925526" cy="500586"/>
           </a:xfrm>
           <a:prstGeom prst="rect">
             <a:avLst/>
@@ -9067,11 +8632,720 @@
                 <a:ea typeface="Ebrima" panose="02000000000000000000" pitchFamily="2" charset="0"/>
                 <a:cs typeface="Ebrima" panose="02000000000000000000" pitchFamily="2" charset="0"/>
               </a:rPr>
-              <a:t>Caption here.  Winter fruit consumption per person, per day.</a:t>
+              <a:t>Training measures of LSTM-RNN model with 14 composers over 50 epochs</a:t>
             </a:r>
           </a:p>
         </p:txBody>
       </p:sp>
+      <p:pic>
+        <p:nvPicPr>
+          <p:cNvPr id="4" name="Picture 3">
+            <a:extLst>
+              <a:ext uri="{FF2B5EF4-FFF2-40B4-BE49-F238E27FC236}">
+                <a16:creationId xmlns:a16="http://schemas.microsoft.com/office/drawing/2014/main" id="{8928624A-E86B-429D-AA78-5544F22DF1F3}"/>
+              </a:ext>
+            </a:extLst>
+          </p:cNvPr>
+          <p:cNvPicPr>
+            <a:picLocks noChangeAspect="1"/>
+          </p:cNvPicPr>
+          <p:nvPr/>
+        </p:nvPicPr>
+        <p:blipFill>
+          <a:blip r:embed="rId5"/>
+          <a:stretch>
+            <a:fillRect/>
+          </a:stretch>
+        </p:blipFill>
+        <p:spPr>
+          <a:xfrm>
+            <a:off x="15520987" y="10177620"/>
+            <a:ext cx="14231938" cy="7192332"/>
+          </a:xfrm>
+          <a:prstGeom prst="rect">
+            <a:avLst/>
+          </a:prstGeom>
+        </p:spPr>
+      </p:pic>
+      <p:grpSp>
+        <p:nvGrpSpPr>
+          <p:cNvPr id="5" name="Group 4">
+            <a:extLst>
+              <a:ext uri="{FF2B5EF4-FFF2-40B4-BE49-F238E27FC236}">
+                <a16:creationId xmlns:a16="http://schemas.microsoft.com/office/drawing/2014/main" id="{D044C34A-85BF-4D6A-88A7-AAC4012C0EBF}"/>
+              </a:ext>
+            </a:extLst>
+          </p:cNvPr>
+          <p:cNvGrpSpPr/>
+          <p:nvPr/>
+        </p:nvGrpSpPr>
+        <p:grpSpPr>
+          <a:xfrm>
+            <a:off x="684213" y="9815062"/>
+            <a:ext cx="14074775" cy="16002523"/>
+            <a:chOff x="684213" y="11368088"/>
+            <a:chExt cx="14074775" cy="16002523"/>
+          </a:xfrm>
+        </p:grpSpPr>
+        <p:sp>
+          <p:nvSpPr>
+            <p:cNvPr id="14343" name="AutoShape 90"/>
+            <p:cNvSpPr>
+              <a:spLocks noChangeArrowheads="1"/>
+            </p:cNvSpPr>
+            <p:nvPr/>
+          </p:nvSpPr>
+          <p:spPr bwMode="auto">
+            <a:xfrm>
+              <a:off x="793750" y="12320587"/>
+              <a:ext cx="13965238" cy="4972407"/>
+            </a:xfrm>
+            <a:prstGeom prst="roundRect">
+              <a:avLst>
+                <a:gd name="adj" fmla="val 8338"/>
+              </a:avLst>
+            </a:prstGeom>
+            <a:solidFill>
+              <a:schemeClr val="bg1"/>
+            </a:solidFill>
+            <a:ln w="76200">
+              <a:solidFill>
+                <a:schemeClr val="bg1"/>
+              </a:solidFill>
+              <a:round/>
+              <a:headEnd/>
+              <a:tailEnd/>
+            </a:ln>
+          </p:spPr>
+          <p:txBody>
+            <a:bodyPr/>
+            <a:lstStyle>
+              <a:lvl1pPr>
+                <a:defRPr sz="2300">
+                  <a:solidFill>
+                    <a:schemeClr val="tx1"/>
+                  </a:solidFill>
+                  <a:latin typeface="Arial" panose="020B0604020202020204" pitchFamily="34" charset="0"/>
+                  <a:ea typeface="MS PGothic" panose="020B0600070205080204" pitchFamily="34" charset="-128"/>
+                </a:defRPr>
+              </a:lvl1pPr>
+              <a:lvl2pPr marL="742950" indent="-285750">
+                <a:defRPr sz="2300">
+                  <a:solidFill>
+                    <a:schemeClr val="tx1"/>
+                  </a:solidFill>
+                  <a:latin typeface="Arial" panose="020B0604020202020204" pitchFamily="34" charset="0"/>
+                  <a:ea typeface="MS PGothic" panose="020B0600070205080204" pitchFamily="34" charset="-128"/>
+                </a:defRPr>
+              </a:lvl2pPr>
+              <a:lvl3pPr marL="1143000" indent="-228600">
+                <a:defRPr sz="2300">
+                  <a:solidFill>
+                    <a:schemeClr val="tx1"/>
+                  </a:solidFill>
+                  <a:latin typeface="Arial" panose="020B0604020202020204" pitchFamily="34" charset="0"/>
+                  <a:ea typeface="MS PGothic" panose="020B0600070205080204" pitchFamily="34" charset="-128"/>
+                </a:defRPr>
+              </a:lvl3pPr>
+              <a:lvl4pPr marL="1600200" indent="-228600">
+                <a:defRPr sz="2300">
+                  <a:solidFill>
+                    <a:schemeClr val="tx1"/>
+                  </a:solidFill>
+                  <a:latin typeface="Arial" panose="020B0604020202020204" pitchFamily="34" charset="0"/>
+                  <a:ea typeface="MS PGothic" panose="020B0600070205080204" pitchFamily="34" charset="-128"/>
+                </a:defRPr>
+              </a:lvl4pPr>
+              <a:lvl5pPr marL="2057400" indent="-228600">
+                <a:defRPr sz="2300">
+                  <a:solidFill>
+                    <a:schemeClr val="tx1"/>
+                  </a:solidFill>
+                  <a:latin typeface="Arial" panose="020B0604020202020204" pitchFamily="34" charset="0"/>
+                  <a:ea typeface="MS PGothic" panose="020B0600070205080204" pitchFamily="34" charset="-128"/>
+                </a:defRPr>
+              </a:lvl5pPr>
+              <a:lvl6pPr marL="2514600" indent="-228600" eaLnBrk="0" fontAlgn="base" hangingPunct="0">
+                <a:spcBef>
+                  <a:spcPct val="0"/>
+                </a:spcBef>
+                <a:spcAft>
+                  <a:spcPct val="0"/>
+                </a:spcAft>
+                <a:defRPr sz="2300">
+                  <a:solidFill>
+                    <a:schemeClr val="tx1"/>
+                  </a:solidFill>
+                  <a:latin typeface="Arial" panose="020B0604020202020204" pitchFamily="34" charset="0"/>
+                  <a:ea typeface="MS PGothic" panose="020B0600070205080204" pitchFamily="34" charset="-128"/>
+                </a:defRPr>
+              </a:lvl6pPr>
+              <a:lvl7pPr marL="2971800" indent="-228600" eaLnBrk="0" fontAlgn="base" hangingPunct="0">
+                <a:spcBef>
+                  <a:spcPct val="0"/>
+                </a:spcBef>
+                <a:spcAft>
+                  <a:spcPct val="0"/>
+                </a:spcAft>
+                <a:defRPr sz="2300">
+                  <a:solidFill>
+                    <a:schemeClr val="tx1"/>
+                  </a:solidFill>
+                  <a:latin typeface="Arial" panose="020B0604020202020204" pitchFamily="34" charset="0"/>
+                  <a:ea typeface="MS PGothic" panose="020B0600070205080204" pitchFamily="34" charset="-128"/>
+                </a:defRPr>
+              </a:lvl7pPr>
+              <a:lvl8pPr marL="3429000" indent="-228600" eaLnBrk="0" fontAlgn="base" hangingPunct="0">
+                <a:spcBef>
+                  <a:spcPct val="0"/>
+                </a:spcBef>
+                <a:spcAft>
+                  <a:spcPct val="0"/>
+                </a:spcAft>
+                <a:defRPr sz="2300">
+                  <a:solidFill>
+                    <a:schemeClr val="tx1"/>
+                  </a:solidFill>
+                  <a:latin typeface="Arial" panose="020B0604020202020204" pitchFamily="34" charset="0"/>
+                  <a:ea typeface="MS PGothic" panose="020B0600070205080204" pitchFamily="34" charset="-128"/>
+                </a:defRPr>
+              </a:lvl8pPr>
+              <a:lvl9pPr marL="3886200" indent="-228600" eaLnBrk="0" fontAlgn="base" hangingPunct="0">
+                <a:spcBef>
+                  <a:spcPct val="0"/>
+                </a:spcBef>
+                <a:spcAft>
+                  <a:spcPct val="0"/>
+                </a:spcAft>
+                <a:defRPr sz="2300">
+                  <a:solidFill>
+                    <a:schemeClr val="tx1"/>
+                  </a:solidFill>
+                  <a:latin typeface="Arial" panose="020B0604020202020204" pitchFamily="34" charset="0"/>
+                  <a:ea typeface="MS PGothic" panose="020B0600070205080204" pitchFamily="34" charset="-128"/>
+                </a:defRPr>
+              </a:lvl9pPr>
+            </a:lstStyle>
+            <a:p>
+              <a:pPr eaLnBrk="1" hangingPunct="1">
+                <a:lnSpc>
+                  <a:spcPts val="5000"/>
+                </a:lnSpc>
+                <a:spcBef>
+                  <a:spcPts val="1800"/>
+                </a:spcBef>
+              </a:pPr>
+              <a:r>
+                <a:rPr lang="en-GB" altLang="en-US" sz="2800" dirty="0">
+                  <a:latin typeface="Calibri" panose="020F0502020204030204" pitchFamily="34" charset="0"/>
+                  <a:ea typeface="Ebrima" panose="02000000000000000000" pitchFamily="2" charset="0"/>
+                  <a:cs typeface="Ebrima" panose="02000000000000000000" pitchFamily="2" charset="0"/>
+                </a:rPr>
+                <a:t>Deep Music Generation has two main problems – generating with deep learning models and evaluating the generated samples and performance of the model.</a:t>
+              </a:r>
+            </a:p>
+            <a:p>
+              <a:pPr eaLnBrk="1" hangingPunct="1">
+                <a:lnSpc>
+                  <a:spcPts val="5000"/>
+                </a:lnSpc>
+                <a:spcBef>
+                  <a:spcPts val="1800"/>
+                </a:spcBef>
+              </a:pPr>
+              <a:r>
+                <a:rPr lang="en-GB" altLang="en-US" sz="2800" dirty="0">
+                  <a:latin typeface="Calibri" panose="020F0502020204030204" pitchFamily="34" charset="0"/>
+                  <a:ea typeface="Ebrima" panose="02000000000000000000" pitchFamily="2" charset="0"/>
+                  <a:cs typeface="Ebrima" panose="02000000000000000000" pitchFamily="2" charset="0"/>
+                </a:rPr>
+                <a:t>Various deep learning models do exist for generating music, but the quality of the generated are questionable. While the generated samples did have chord structures, the flow of the pieces was weak. Hence, we modified a famous deep generative model called </a:t>
+              </a:r>
+              <a:r>
+                <a:rPr lang="en-GB" altLang="en-US" sz="2800" dirty="0" err="1">
+                  <a:latin typeface="Calibri" panose="020F0502020204030204" pitchFamily="34" charset="0"/>
+                  <a:ea typeface="Ebrima" panose="02000000000000000000" pitchFamily="2" charset="0"/>
+                  <a:cs typeface="Ebrima" panose="02000000000000000000" pitchFamily="2" charset="0"/>
+                </a:rPr>
+                <a:t>MuseGAN</a:t>
+              </a:r>
+              <a:r>
+                <a:rPr lang="en-GB" altLang="en-US" sz="2800" dirty="0">
+                  <a:latin typeface="Calibri" panose="020F0502020204030204" pitchFamily="34" charset="0"/>
+                  <a:ea typeface="Ebrima" panose="02000000000000000000" pitchFamily="2" charset="0"/>
+                  <a:cs typeface="Ebrima" panose="02000000000000000000" pitchFamily="2" charset="0"/>
+                </a:rPr>
+                <a:t> to enhance the quality of generated samples.</a:t>
+              </a:r>
+            </a:p>
+            <a:p>
+              <a:pPr eaLnBrk="1" hangingPunct="1">
+                <a:lnSpc>
+                  <a:spcPts val="5000"/>
+                </a:lnSpc>
+                <a:spcBef>
+                  <a:spcPts val="1800"/>
+                </a:spcBef>
+              </a:pPr>
+              <a:r>
+                <a:rPr lang="en-GB" altLang="en-US" sz="2800" dirty="0">
+                  <a:latin typeface="Calibri" panose="020F0502020204030204" pitchFamily="34" charset="0"/>
+                  <a:ea typeface="Ebrima" panose="02000000000000000000" pitchFamily="2" charset="0"/>
+                  <a:cs typeface="Ebrima" panose="02000000000000000000" pitchFamily="2" charset="0"/>
+                </a:rPr>
+                <a:t>Various evaluation metrics do exist for deep image generation, but there is a lack of robust metric for deep music generation. While some samples did resemble structured music, we wanted to take a scientific approach in our judgement. Hence, we created a metric that evaluates the quality of generated music samples and performance of the model.</a:t>
+              </a:r>
+            </a:p>
+          </p:txBody>
+        </p:sp>
+        <p:sp>
+          <p:nvSpPr>
+            <p:cNvPr id="14344" name="Rectangle 20"/>
+            <p:cNvSpPr>
+              <a:spLocks noChangeArrowheads="1"/>
+            </p:cNvSpPr>
+            <p:nvPr/>
+          </p:nvSpPr>
+          <p:spPr bwMode="auto">
+            <a:xfrm>
+              <a:off x="684213" y="26870025"/>
+              <a:ext cx="10956244" cy="500586"/>
+            </a:xfrm>
+            <a:prstGeom prst="rect">
+              <a:avLst/>
+            </a:prstGeom>
+            <a:noFill/>
+            <a:ln>
+              <a:noFill/>
+            </a:ln>
+            <a:extLst>
+              <a:ext uri="{909E8E84-426E-40DD-AFC4-6F175D3DCCD1}">
+                <a14:hiddenFill xmlns:a14="http://schemas.microsoft.com/office/drawing/2010/main">
+                  <a:solidFill>
+                    <a:srgbClr val="FFFFFF"/>
+                  </a:solidFill>
+                </a14:hiddenFill>
+              </a:ext>
+              <a:ext uri="{91240B29-F687-4F45-9708-019B960494DF}">
+                <a14:hiddenLine xmlns:a14="http://schemas.microsoft.com/office/drawing/2010/main" w="9525">
+                  <a:solidFill>
+                    <a:srgbClr val="000000"/>
+                  </a:solidFill>
+                  <a:miter lim="800000"/>
+                  <a:headEnd/>
+                  <a:tailEnd/>
+                </a14:hiddenLine>
+              </a:ext>
+            </a:extLst>
+          </p:spPr>
+          <p:txBody>
+            <a:bodyPr wrap="square">
+              <a:spAutoFit/>
+            </a:bodyPr>
+            <a:lstStyle>
+              <a:lvl1pPr>
+                <a:defRPr sz="2300">
+                  <a:solidFill>
+                    <a:schemeClr val="tx1"/>
+                  </a:solidFill>
+                  <a:latin typeface="Arial" panose="020B0604020202020204" pitchFamily="34" charset="0"/>
+                  <a:ea typeface="MS PGothic" panose="020B0600070205080204" pitchFamily="34" charset="-128"/>
+                </a:defRPr>
+              </a:lvl1pPr>
+              <a:lvl2pPr marL="742950" indent="-285750">
+                <a:defRPr sz="2300">
+                  <a:solidFill>
+                    <a:schemeClr val="tx1"/>
+                  </a:solidFill>
+                  <a:latin typeface="Arial" panose="020B0604020202020204" pitchFamily="34" charset="0"/>
+                  <a:ea typeface="MS PGothic" panose="020B0600070205080204" pitchFamily="34" charset="-128"/>
+                </a:defRPr>
+              </a:lvl2pPr>
+              <a:lvl3pPr marL="1143000" indent="-228600">
+                <a:defRPr sz="2300">
+                  <a:solidFill>
+                    <a:schemeClr val="tx1"/>
+                  </a:solidFill>
+                  <a:latin typeface="Arial" panose="020B0604020202020204" pitchFamily="34" charset="0"/>
+                  <a:ea typeface="MS PGothic" panose="020B0600070205080204" pitchFamily="34" charset="-128"/>
+                </a:defRPr>
+              </a:lvl3pPr>
+              <a:lvl4pPr marL="1600200" indent="-228600">
+                <a:defRPr sz="2300">
+                  <a:solidFill>
+                    <a:schemeClr val="tx1"/>
+                  </a:solidFill>
+                  <a:latin typeface="Arial" panose="020B0604020202020204" pitchFamily="34" charset="0"/>
+                  <a:ea typeface="MS PGothic" panose="020B0600070205080204" pitchFamily="34" charset="-128"/>
+                </a:defRPr>
+              </a:lvl4pPr>
+              <a:lvl5pPr marL="2057400" indent="-228600">
+                <a:defRPr sz="2300">
+                  <a:solidFill>
+                    <a:schemeClr val="tx1"/>
+                  </a:solidFill>
+                  <a:latin typeface="Arial" panose="020B0604020202020204" pitchFamily="34" charset="0"/>
+                  <a:ea typeface="MS PGothic" panose="020B0600070205080204" pitchFamily="34" charset="-128"/>
+                </a:defRPr>
+              </a:lvl5pPr>
+              <a:lvl6pPr marL="2514600" indent="-228600" eaLnBrk="0" fontAlgn="base" hangingPunct="0">
+                <a:spcBef>
+                  <a:spcPct val="0"/>
+                </a:spcBef>
+                <a:spcAft>
+                  <a:spcPct val="0"/>
+                </a:spcAft>
+                <a:defRPr sz="2300">
+                  <a:solidFill>
+                    <a:schemeClr val="tx1"/>
+                  </a:solidFill>
+                  <a:latin typeface="Arial" panose="020B0604020202020204" pitchFamily="34" charset="0"/>
+                  <a:ea typeface="MS PGothic" panose="020B0600070205080204" pitchFamily="34" charset="-128"/>
+                </a:defRPr>
+              </a:lvl6pPr>
+              <a:lvl7pPr marL="2971800" indent="-228600" eaLnBrk="0" fontAlgn="base" hangingPunct="0">
+                <a:spcBef>
+                  <a:spcPct val="0"/>
+                </a:spcBef>
+                <a:spcAft>
+                  <a:spcPct val="0"/>
+                </a:spcAft>
+                <a:defRPr sz="2300">
+                  <a:solidFill>
+                    <a:schemeClr val="tx1"/>
+                  </a:solidFill>
+                  <a:latin typeface="Arial" panose="020B0604020202020204" pitchFamily="34" charset="0"/>
+                  <a:ea typeface="MS PGothic" panose="020B0600070205080204" pitchFamily="34" charset="-128"/>
+                </a:defRPr>
+              </a:lvl7pPr>
+              <a:lvl8pPr marL="3429000" indent="-228600" eaLnBrk="0" fontAlgn="base" hangingPunct="0">
+                <a:spcBef>
+                  <a:spcPct val="0"/>
+                </a:spcBef>
+                <a:spcAft>
+                  <a:spcPct val="0"/>
+                </a:spcAft>
+                <a:defRPr sz="2300">
+                  <a:solidFill>
+                    <a:schemeClr val="tx1"/>
+                  </a:solidFill>
+                  <a:latin typeface="Arial" panose="020B0604020202020204" pitchFamily="34" charset="0"/>
+                  <a:ea typeface="MS PGothic" panose="020B0600070205080204" pitchFamily="34" charset="-128"/>
+                </a:defRPr>
+              </a:lvl8pPr>
+              <a:lvl9pPr marL="3886200" indent="-228600" eaLnBrk="0" fontAlgn="base" hangingPunct="0">
+                <a:spcBef>
+                  <a:spcPct val="0"/>
+                </a:spcBef>
+                <a:spcAft>
+                  <a:spcPct val="0"/>
+                </a:spcAft>
+                <a:defRPr sz="2300">
+                  <a:solidFill>
+                    <a:schemeClr val="tx1"/>
+                  </a:solidFill>
+                  <a:latin typeface="Arial" panose="020B0604020202020204" pitchFamily="34" charset="0"/>
+                  <a:ea typeface="MS PGothic" panose="020B0600070205080204" pitchFamily="34" charset="-128"/>
+                </a:defRPr>
+              </a:lvl9pPr>
+            </a:lstStyle>
+            <a:p>
+              <a:pPr eaLnBrk="1" hangingPunct="1">
+                <a:lnSpc>
+                  <a:spcPts val="3400"/>
+                </a:lnSpc>
+              </a:pPr>
+              <a:r>
+                <a:rPr lang="en-GB" altLang="en-US" sz="2400" b="1" dirty="0">
+                  <a:latin typeface="Calibri" panose="020F0502020204030204" pitchFamily="34" charset="0"/>
+                  <a:ea typeface="Ebrima" panose="02000000000000000000" pitchFamily="2" charset="0"/>
+                  <a:cs typeface="Ebrima" panose="02000000000000000000" pitchFamily="2" charset="0"/>
+                </a:rPr>
+                <a:t>Fig. 1  </a:t>
+              </a:r>
+              <a:r>
+                <a:rPr lang="en-GB" altLang="en-US" sz="2400" dirty="0">
+                  <a:latin typeface="Calibri" panose="020F0502020204030204" pitchFamily="34" charset="0"/>
+                  <a:ea typeface="Ebrima" panose="02000000000000000000" pitchFamily="2" charset="0"/>
+                  <a:cs typeface="Ebrima" panose="02000000000000000000" pitchFamily="2" charset="0"/>
+                </a:rPr>
+                <a:t>High-level diagram of the </a:t>
+              </a:r>
+              <a:r>
+                <a:rPr lang="en-GB" altLang="en-US" sz="2400" dirty="0" err="1">
+                  <a:latin typeface="Calibri" panose="020F0502020204030204" pitchFamily="34" charset="0"/>
+                  <a:ea typeface="Ebrima" panose="02000000000000000000" pitchFamily="2" charset="0"/>
+                  <a:cs typeface="Ebrima" panose="02000000000000000000" pitchFamily="2" charset="0"/>
+                </a:rPr>
+                <a:t>MuseGAN</a:t>
+              </a:r>
+              <a:r>
+                <a:rPr lang="en-GB" altLang="en-US" sz="2400" dirty="0">
+                  <a:latin typeface="Calibri" panose="020F0502020204030204" pitchFamily="34" charset="0"/>
+                  <a:ea typeface="Ebrima" panose="02000000000000000000" pitchFamily="2" charset="0"/>
+                  <a:cs typeface="Ebrima" panose="02000000000000000000" pitchFamily="2" charset="0"/>
+                </a:rPr>
+                <a:t> generator, Hao Wen Dong and David Foster</a:t>
+              </a:r>
+            </a:p>
+          </p:txBody>
+        </p:sp>
+        <p:grpSp>
+          <p:nvGrpSpPr>
+            <p:cNvPr id="14380" name="Group 3"/>
+            <p:cNvGrpSpPr>
+              <a:grpSpLocks/>
+            </p:cNvGrpSpPr>
+            <p:nvPr/>
+          </p:nvGrpSpPr>
+          <p:grpSpPr bwMode="auto">
+            <a:xfrm>
+              <a:off x="738188" y="11368088"/>
+              <a:ext cx="14020800" cy="1107996"/>
+              <a:chOff x="738188" y="11367560"/>
+              <a:chExt cx="14097000" cy="1107996"/>
+            </a:xfrm>
+          </p:grpSpPr>
+          <p:sp>
+            <p:nvSpPr>
+              <p:cNvPr id="14397" name="Rectangle 249"/>
+              <p:cNvSpPr>
+                <a:spLocks noChangeArrowheads="1"/>
+              </p:cNvSpPr>
+              <p:nvPr/>
+            </p:nvSpPr>
+            <p:spPr bwMode="auto">
+              <a:xfrm>
+                <a:off x="758490" y="11367560"/>
+                <a:ext cx="11321214" cy="1107996"/>
+              </a:xfrm>
+              <a:prstGeom prst="rect">
+                <a:avLst/>
+              </a:prstGeom>
+              <a:noFill/>
+              <a:ln>
+                <a:noFill/>
+              </a:ln>
+              <a:extLst>
+                <a:ext uri="{909E8E84-426E-40DD-AFC4-6F175D3DCCD1}">
+                  <a14:hiddenFill xmlns:a14="http://schemas.microsoft.com/office/drawing/2010/main">
+                    <a:solidFill>
+                      <a:srgbClr val="FFFFFF"/>
+                    </a:solidFill>
+                  </a14:hiddenFill>
+                </a:ext>
+                <a:ext uri="{91240B29-F687-4F45-9708-019B960494DF}">
+                  <a14:hiddenLine xmlns:a14="http://schemas.microsoft.com/office/drawing/2010/main" w="9525">
+                    <a:solidFill>
+                      <a:srgbClr val="000000"/>
+                    </a:solidFill>
+                    <a:miter lim="800000"/>
+                    <a:headEnd/>
+                    <a:tailEnd/>
+                  </a14:hiddenLine>
+                </a:ext>
+              </a:extLst>
+            </p:spPr>
+            <p:txBody>
+              <a:bodyPr wrap="square">
+                <a:spAutoFit/>
+              </a:bodyPr>
+              <a:lstStyle>
+                <a:lvl1pPr>
+                  <a:defRPr sz="2300">
+                    <a:solidFill>
+                      <a:schemeClr val="tx1"/>
+                    </a:solidFill>
+                    <a:latin typeface="Arial" panose="020B0604020202020204" pitchFamily="34" charset="0"/>
+                    <a:ea typeface="MS PGothic" panose="020B0600070205080204" pitchFamily="34" charset="-128"/>
+                  </a:defRPr>
+                </a:lvl1pPr>
+                <a:lvl2pPr marL="742950" indent="-285750">
+                  <a:defRPr sz="2300">
+                    <a:solidFill>
+                      <a:schemeClr val="tx1"/>
+                    </a:solidFill>
+                    <a:latin typeface="Arial" panose="020B0604020202020204" pitchFamily="34" charset="0"/>
+                    <a:ea typeface="MS PGothic" panose="020B0600070205080204" pitchFamily="34" charset="-128"/>
+                  </a:defRPr>
+                </a:lvl2pPr>
+                <a:lvl3pPr marL="1143000" indent="-228600">
+                  <a:defRPr sz="2300">
+                    <a:solidFill>
+                      <a:schemeClr val="tx1"/>
+                    </a:solidFill>
+                    <a:latin typeface="Arial" panose="020B0604020202020204" pitchFamily="34" charset="0"/>
+                    <a:ea typeface="MS PGothic" panose="020B0600070205080204" pitchFamily="34" charset="-128"/>
+                  </a:defRPr>
+                </a:lvl3pPr>
+                <a:lvl4pPr marL="1600200" indent="-228600">
+                  <a:defRPr sz="2300">
+                    <a:solidFill>
+                      <a:schemeClr val="tx1"/>
+                    </a:solidFill>
+                    <a:latin typeface="Arial" panose="020B0604020202020204" pitchFamily="34" charset="0"/>
+                    <a:ea typeface="MS PGothic" panose="020B0600070205080204" pitchFamily="34" charset="-128"/>
+                  </a:defRPr>
+                </a:lvl4pPr>
+                <a:lvl5pPr marL="2057400" indent="-228600">
+                  <a:defRPr sz="2300">
+                    <a:solidFill>
+                      <a:schemeClr val="tx1"/>
+                    </a:solidFill>
+                    <a:latin typeface="Arial" panose="020B0604020202020204" pitchFamily="34" charset="0"/>
+                    <a:ea typeface="MS PGothic" panose="020B0600070205080204" pitchFamily="34" charset="-128"/>
+                  </a:defRPr>
+                </a:lvl5pPr>
+                <a:lvl6pPr marL="2514600" indent="-228600" eaLnBrk="0" fontAlgn="base" hangingPunct="0">
+                  <a:spcBef>
+                    <a:spcPct val="0"/>
+                  </a:spcBef>
+                  <a:spcAft>
+                    <a:spcPct val="0"/>
+                  </a:spcAft>
+                  <a:defRPr sz="2300">
+                    <a:solidFill>
+                      <a:schemeClr val="tx1"/>
+                    </a:solidFill>
+                    <a:latin typeface="Arial" panose="020B0604020202020204" pitchFamily="34" charset="0"/>
+                    <a:ea typeface="MS PGothic" panose="020B0600070205080204" pitchFamily="34" charset="-128"/>
+                  </a:defRPr>
+                </a:lvl6pPr>
+                <a:lvl7pPr marL="2971800" indent="-228600" eaLnBrk="0" fontAlgn="base" hangingPunct="0">
+                  <a:spcBef>
+                    <a:spcPct val="0"/>
+                  </a:spcBef>
+                  <a:spcAft>
+                    <a:spcPct val="0"/>
+                  </a:spcAft>
+                  <a:defRPr sz="2300">
+                    <a:solidFill>
+                      <a:schemeClr val="tx1"/>
+                    </a:solidFill>
+                    <a:latin typeface="Arial" panose="020B0604020202020204" pitchFamily="34" charset="0"/>
+                    <a:ea typeface="MS PGothic" panose="020B0600070205080204" pitchFamily="34" charset="-128"/>
+                  </a:defRPr>
+                </a:lvl7pPr>
+                <a:lvl8pPr marL="3429000" indent="-228600" eaLnBrk="0" fontAlgn="base" hangingPunct="0">
+                  <a:spcBef>
+                    <a:spcPct val="0"/>
+                  </a:spcBef>
+                  <a:spcAft>
+                    <a:spcPct val="0"/>
+                  </a:spcAft>
+                  <a:defRPr sz="2300">
+                    <a:solidFill>
+                      <a:schemeClr val="tx1"/>
+                    </a:solidFill>
+                    <a:latin typeface="Arial" panose="020B0604020202020204" pitchFamily="34" charset="0"/>
+                    <a:ea typeface="MS PGothic" panose="020B0600070205080204" pitchFamily="34" charset="-128"/>
+                  </a:defRPr>
+                </a:lvl8pPr>
+                <a:lvl9pPr marL="3886200" indent="-228600" eaLnBrk="0" fontAlgn="base" hangingPunct="0">
+                  <a:spcBef>
+                    <a:spcPct val="0"/>
+                  </a:spcBef>
+                  <a:spcAft>
+                    <a:spcPct val="0"/>
+                  </a:spcAft>
+                  <a:defRPr sz="2300">
+                    <a:solidFill>
+                      <a:schemeClr val="tx1"/>
+                    </a:solidFill>
+                    <a:latin typeface="Arial" panose="020B0604020202020204" pitchFamily="34" charset="0"/>
+                    <a:ea typeface="MS PGothic" panose="020B0600070205080204" pitchFamily="34" charset="-128"/>
+                  </a:defRPr>
+                </a:lvl9pPr>
+              </a:lstStyle>
+              <a:p>
+                <a:r>
+                  <a:rPr lang="en-GB" altLang="en-US" sz="6600" b="1" dirty="0">
+                    <a:solidFill>
+                      <a:srgbClr val="006684"/>
+                    </a:solidFill>
+                    <a:latin typeface="+mj-lt"/>
+                    <a:ea typeface="Ebrima" panose="02000000000000000000" pitchFamily="2" charset="0"/>
+                    <a:cs typeface="Ebrima" panose="02000000000000000000" pitchFamily="2" charset="0"/>
+                  </a:rPr>
+                  <a:t>Problem statement</a:t>
+                </a:r>
+                <a:endParaRPr lang="en-US" altLang="en-US" sz="6600" dirty="0">
+                  <a:solidFill>
+                    <a:srgbClr val="006684"/>
+                  </a:solidFill>
+                  <a:latin typeface="+mj-lt"/>
+                  <a:ea typeface="Ebrima" panose="02000000000000000000" pitchFamily="2" charset="0"/>
+                  <a:cs typeface="Ebrima" panose="02000000000000000000" pitchFamily="2" charset="0"/>
+                </a:endParaRPr>
+              </a:p>
+            </p:txBody>
+          </p:sp>
+          <p:cxnSp>
+            <p:nvCxnSpPr>
+              <p:cNvPr id="14398" name="Straight Connector 6"/>
+              <p:cNvCxnSpPr>
+                <a:cxnSpLocks noChangeShapeType="1"/>
+              </p:cNvCxnSpPr>
+              <p:nvPr/>
+            </p:nvCxnSpPr>
+            <p:spPr bwMode="auto">
+              <a:xfrm>
+                <a:off x="738188" y="11367560"/>
+                <a:ext cx="14097000" cy="0"/>
+              </a:xfrm>
+              <a:prstGeom prst="line">
+                <a:avLst/>
+              </a:prstGeom>
+              <a:noFill/>
+              <a:ln w="12700">
+                <a:solidFill>
+                  <a:srgbClr val="92D050"/>
+                </a:solidFill>
+                <a:round/>
+                <a:headEnd/>
+                <a:tailEnd/>
+              </a:ln>
+              <a:extLst>
+                <a:ext uri="{909E8E84-426E-40DD-AFC4-6F175D3DCCD1}">
+                  <a14:hiddenFill xmlns:a14="http://schemas.microsoft.com/office/drawing/2010/main">
+                    <a:noFill/>
+                  </a14:hiddenFill>
+                </a:ext>
+              </a:extLst>
+            </p:spPr>
+          </p:cxnSp>
+        </p:grpSp>
+        <p:pic>
+          <p:nvPicPr>
+            <p:cNvPr id="3" name="Picture 2">
+              <a:extLst>
+                <a:ext uri="{FF2B5EF4-FFF2-40B4-BE49-F238E27FC236}">
+                  <a16:creationId xmlns:a16="http://schemas.microsoft.com/office/drawing/2014/main" id="{DCA3CF45-F054-46E4-9329-A1972E53E05D}"/>
+                </a:ext>
+              </a:extLst>
+            </p:cNvPr>
+            <p:cNvPicPr>
+              <a:picLocks noChangeAspect="1"/>
+            </p:cNvPicPr>
+            <p:nvPr/>
+          </p:nvPicPr>
+          <p:blipFill>
+            <a:blip r:embed="rId6"/>
+            <a:stretch>
+              <a:fillRect/>
+            </a:stretch>
+          </p:blipFill>
+          <p:spPr>
+            <a:xfrm>
+              <a:off x="758379" y="19911560"/>
+              <a:ext cx="14000609" cy="6818767"/>
+            </a:xfrm>
+            <a:prstGeom prst="rect">
+              <a:avLst/>
+            </a:prstGeom>
+          </p:spPr>
+        </p:pic>
+      </p:grpSp>
     </p:spTree>
   </p:cSld>
   <p:clrMapOvr>
